--- a/ITI122_Team9_Flowise_Prototype/ITI122 Assignment Prototype Presentation Team9 7Jan26.pptx
+++ b/ITI122_Team9_Flowise_Prototype/ITI122 Assignment Prototype Presentation Team9 7Jan26.pptx
@@ -23,11 +23,17 @@
     <p:sldId id="273" r:id="rId17"/>
     <p:sldId id="259" r:id="rId18"/>
     <p:sldId id="260" r:id="rId19"/>
+    <p:sldId id="276" r:id="rId20"/>
+    <p:sldId id="277" r:id="rId21"/>
+    <p:sldId id="278" r:id="rId22"/>
+    <p:sldId id="279" r:id="rId23"/>
+    <p:sldId id="280" r:id="rId24"/>
+    <p:sldId id="281" r:id="rId25"/>
   </p:sldIdLst>
   <p:sldSz cx="12192000" cy="6858000"/>
   <p:notesSz cx="6858000" cy="9144000"/>
   <p:custDataLst>
-    <p:tags r:id="rId20"/>
+    <p:tags r:id="rId26"/>
   </p:custDataLst>
   <p:defaultTextStyle>
     <a:defPPr>
@@ -281,7 +287,7 @@
           <a:p>
             <a:fld id="{C60F7D3E-23DE-4DED-B08B-F1FA3618E88F}" type="datetimeFigureOut">
               <a:rPr lang="en-SG" smtClean="0"/>
-              <a:t>10/1/2026</a:t>
+              <a:t>11/1/2026</a:t>
             </a:fld>
             <a:endParaRPr lang="en-SG"/>
           </a:p>
@@ -481,7 +487,7 @@
           <a:p>
             <a:fld id="{C60F7D3E-23DE-4DED-B08B-F1FA3618E88F}" type="datetimeFigureOut">
               <a:rPr lang="en-SG" smtClean="0"/>
-              <a:t>10/1/2026</a:t>
+              <a:t>11/1/2026</a:t>
             </a:fld>
             <a:endParaRPr lang="en-SG"/>
           </a:p>
@@ -691,7 +697,7 @@
           <a:p>
             <a:fld id="{C60F7D3E-23DE-4DED-B08B-F1FA3618E88F}" type="datetimeFigureOut">
               <a:rPr lang="en-SG" smtClean="0"/>
-              <a:t>10/1/2026</a:t>
+              <a:t>11/1/2026</a:t>
             </a:fld>
             <a:endParaRPr lang="en-SG"/>
           </a:p>
@@ -891,7 +897,7 @@
           <a:p>
             <a:fld id="{C60F7D3E-23DE-4DED-B08B-F1FA3618E88F}" type="datetimeFigureOut">
               <a:rPr lang="en-SG" smtClean="0"/>
-              <a:t>10/1/2026</a:t>
+              <a:t>11/1/2026</a:t>
             </a:fld>
             <a:endParaRPr lang="en-SG"/>
           </a:p>
@@ -1167,7 +1173,7 @@
           <a:p>
             <a:fld id="{C60F7D3E-23DE-4DED-B08B-F1FA3618E88F}" type="datetimeFigureOut">
               <a:rPr lang="en-SG" smtClean="0"/>
-              <a:t>10/1/2026</a:t>
+              <a:t>11/1/2026</a:t>
             </a:fld>
             <a:endParaRPr lang="en-SG"/>
           </a:p>
@@ -1435,7 +1441,7 @@
           <a:p>
             <a:fld id="{C60F7D3E-23DE-4DED-B08B-F1FA3618E88F}" type="datetimeFigureOut">
               <a:rPr lang="en-SG" smtClean="0"/>
-              <a:t>10/1/2026</a:t>
+              <a:t>11/1/2026</a:t>
             </a:fld>
             <a:endParaRPr lang="en-SG"/>
           </a:p>
@@ -1850,7 +1856,7 @@
           <a:p>
             <a:fld id="{C60F7D3E-23DE-4DED-B08B-F1FA3618E88F}" type="datetimeFigureOut">
               <a:rPr lang="en-SG" smtClean="0"/>
-              <a:t>10/1/2026</a:t>
+              <a:t>11/1/2026</a:t>
             </a:fld>
             <a:endParaRPr lang="en-SG"/>
           </a:p>
@@ -1992,7 +1998,7 @@
           <a:p>
             <a:fld id="{C60F7D3E-23DE-4DED-B08B-F1FA3618E88F}" type="datetimeFigureOut">
               <a:rPr lang="en-SG" smtClean="0"/>
-              <a:t>10/1/2026</a:t>
+              <a:t>11/1/2026</a:t>
             </a:fld>
             <a:endParaRPr lang="en-SG"/>
           </a:p>
@@ -2105,7 +2111,7 @@
           <a:p>
             <a:fld id="{C60F7D3E-23DE-4DED-B08B-F1FA3618E88F}" type="datetimeFigureOut">
               <a:rPr lang="en-SG" smtClean="0"/>
-              <a:t>10/1/2026</a:t>
+              <a:t>11/1/2026</a:t>
             </a:fld>
             <a:endParaRPr lang="en-SG"/>
           </a:p>
@@ -2418,7 +2424,7 @@
           <a:p>
             <a:fld id="{C60F7D3E-23DE-4DED-B08B-F1FA3618E88F}" type="datetimeFigureOut">
               <a:rPr lang="en-SG" smtClean="0"/>
-              <a:t>10/1/2026</a:t>
+              <a:t>11/1/2026</a:t>
             </a:fld>
             <a:endParaRPr lang="en-SG"/>
           </a:p>
@@ -2707,7 +2713,7 @@
           <a:p>
             <a:fld id="{C60F7D3E-23DE-4DED-B08B-F1FA3618E88F}" type="datetimeFigureOut">
               <a:rPr lang="en-SG" smtClean="0"/>
-              <a:t>10/1/2026</a:t>
+              <a:t>11/1/2026</a:t>
             </a:fld>
             <a:endParaRPr lang="en-SG"/>
           </a:p>
@@ -2950,7 +2956,7 @@
           <a:p>
             <a:fld id="{C60F7D3E-23DE-4DED-B08B-F1FA3618E88F}" type="datetimeFigureOut">
               <a:rPr lang="en-SG" smtClean="0"/>
-              <a:t>10/1/2026</a:t>
+              <a:t>11/1/2026</a:t>
             </a:fld>
             <a:endParaRPr lang="en-SG"/>
           </a:p>
@@ -3601,7 +3607,7 @@
         <p:spPr/>
         <p:txBody>
           <a:bodyPr>
-            <a:normAutofit/>
+            <a:normAutofit fontScale="77500" lnSpcReduction="20000"/>
           </a:bodyPr>
           <a:lstStyle/>
           <a:p>
@@ -3628,11 +3634,44 @@
             <a:pPr lvl="0"/>
             <a:r>
               <a:rPr lang="en-SG" b="1" dirty="0"/>
-              <a:t>Decision consistency:</a:t>
+              <a:t>Decision accuracy and consistency:</a:t>
             </a:r>
             <a:r>
               <a:rPr lang="en-SG" dirty="0"/>
-              <a:t> 100% of tested loan decisions matched the expected outcomes derived from the official policy documents and decision rules during validation testing.</a:t>
+              <a:t> All tested loan decisions matched the expected outcomes derived from the official bank policy documents and predefined decision rules, indicating consistent and reliable policy application.</a:t>
+            </a:r>
+          </a:p>
+          <a:p>
+            <a:pPr lvl="0"/>
+            <a:r>
+              <a:rPr lang="en-SG" b="1" dirty="0"/>
+              <a:t>Reduced manual rework:</a:t>
+            </a:r>
+            <a:r>
+              <a:rPr lang="en-SG" dirty="0"/>
+              <a:t> Automated policy interpretation and deterministic condition routing reduced the need for reassessment caused by missed rules or inconsistent human interpretation.</a:t>
+            </a:r>
+          </a:p>
+          <a:p>
+            <a:pPr lvl="0"/>
+            <a:r>
+              <a:rPr lang="en-SG" b="1" dirty="0"/>
+              <a:t>Improved transparency and explainability: </a:t>
+            </a:r>
+            <a:r>
+              <a:rPr lang="en-SG" dirty="0"/>
+              <a:t>Each loan decision was accompanied by a structured, policy-based explanation, improving clarity for both internal review and customer communication. </a:t>
+            </a:r>
+          </a:p>
+          <a:p>
+            <a:pPr lvl="0"/>
+            <a:r>
+              <a:rPr lang="en-SG" b="1" dirty="0"/>
+              <a:t>Increased processing throughput:</a:t>
+            </a:r>
+            <a:r>
+              <a:rPr lang="en-SG" dirty="0"/>
+              <a:t> The reduction in manual steps enabled a higher number of loan assessments to be processed per officer without increasing workload.</a:t>
             </a:r>
           </a:p>
         </p:txBody>
@@ -3905,14 +3944,14 @@
           <p:nvPr>
             <p:extLst>
               <p:ext uri="{D42A27DB-BD31-4B8C-83A1-F6EECF244321}">
-                <p14:modId xmlns:p14="http://schemas.microsoft.com/office/powerpoint/2010/main" val="3068456747"/>
+                <p14:modId xmlns:p14="http://schemas.microsoft.com/office/powerpoint/2010/main" val="458599155"/>
               </p:ext>
             </p:extLst>
           </p:nvPr>
         </p:nvGraphicFramePr>
         <p:xfrm>
           <a:off x="577515" y="1690688"/>
-          <a:ext cx="10996863" cy="3119120"/>
+          <a:ext cx="10996863" cy="2741676"/>
         </p:xfrm>
         <a:graphic>
           <a:graphicData uri="http://schemas.openxmlformats.org/drawingml/2006/table">
@@ -4134,112 +4173,6 @@
                           <a:ea typeface="MS Mincho" panose="02020609040205080304" pitchFamily="49" charset="-128"/>
                           <a:cs typeface="Times New Roman" panose="02020603050405020304" pitchFamily="18" charset="0"/>
                         </a:rPr>
-                        <a:t>Cost (Starter Tier)</a:t>
-                      </a:r>
-                      <a:endParaRPr lang="en-SG" sz="1400">
-                        <a:effectLst/>
-                        <a:latin typeface="Calibri" panose="020F0502020204030204" pitchFamily="34" charset="0"/>
-                        <a:ea typeface="MS Mincho" panose="02020609040205080304" pitchFamily="49" charset="-128"/>
-                        <a:cs typeface="Times New Roman" panose="02020603050405020304" pitchFamily="18" charset="0"/>
-                      </a:endParaRPr>
-                    </a:p>
-                  </a:txBody>
-                  <a:tcPr marL="68580" marR="68580" marT="0" marB="0"/>
-                </a:tc>
-                <a:tc>
-                  <a:txBody>
-                    <a:bodyPr/>
-                    <a:lstStyle/>
-                    <a:p>
-                      <a:pPr>
-                        <a:lnSpc>
-                          <a:spcPct val="115000"/>
-                        </a:lnSpc>
-                        <a:spcAft>
-                          <a:spcPts val="800"/>
-                        </a:spcAft>
-                        <a:buNone/>
-                      </a:pPr>
-                      <a:r>
-                        <a:rPr lang="en-SG" sz="1600">
-                          <a:effectLst/>
-                          <a:latin typeface="Times New Roman" panose="02020603050405020304" pitchFamily="18" charset="0"/>
-                          <a:ea typeface="MS Mincho" panose="02020609040205080304" pitchFamily="49" charset="-128"/>
-                          <a:cs typeface="Times New Roman" panose="02020603050405020304" pitchFamily="18" charset="0"/>
-                        </a:rPr>
-                        <a:t>USD 35/month</a:t>
-                      </a:r>
-                      <a:endParaRPr lang="en-SG" sz="1400">
-                        <a:effectLst/>
-                        <a:latin typeface="Calibri" panose="020F0502020204030204" pitchFamily="34" charset="0"/>
-                        <a:ea typeface="MS Mincho" panose="02020609040205080304" pitchFamily="49" charset="-128"/>
-                        <a:cs typeface="Times New Roman" panose="02020603050405020304" pitchFamily="18" charset="0"/>
-                      </a:endParaRPr>
-                    </a:p>
-                  </a:txBody>
-                  <a:tcPr marL="68580" marR="68580" marT="0" marB="0"/>
-                </a:tc>
-                <a:tc>
-                  <a:txBody>
-                    <a:bodyPr/>
-                    <a:lstStyle/>
-                    <a:p>
-                      <a:pPr>
-                        <a:lnSpc>
-                          <a:spcPct val="115000"/>
-                        </a:lnSpc>
-                        <a:spcAft>
-                          <a:spcPts val="800"/>
-                        </a:spcAft>
-                        <a:buNone/>
-                      </a:pPr>
-                      <a:r>
-                        <a:rPr lang="en-SG" sz="1600">
-                          <a:effectLst/>
-                          <a:latin typeface="Times New Roman" panose="02020603050405020304" pitchFamily="18" charset="0"/>
-                          <a:ea typeface="MS Mincho" panose="02020609040205080304" pitchFamily="49" charset="-128"/>
-                          <a:cs typeface="Times New Roman" panose="02020603050405020304" pitchFamily="18" charset="0"/>
-                        </a:rPr>
-                        <a:t>USD7/month</a:t>
-                      </a:r>
-                      <a:endParaRPr lang="en-SG" sz="1400">
-                        <a:effectLst/>
-                        <a:latin typeface="Calibri" panose="020F0502020204030204" pitchFamily="34" charset="0"/>
-                        <a:ea typeface="MS Mincho" panose="02020609040205080304" pitchFamily="49" charset="-128"/>
-                        <a:cs typeface="Times New Roman" panose="02020603050405020304" pitchFamily="18" charset="0"/>
-                      </a:endParaRPr>
-                    </a:p>
-                  </a:txBody>
-                  <a:tcPr marL="68580" marR="68580" marT="0" marB="0"/>
-                </a:tc>
-                <a:extLst>
-                  <a:ext uri="{0D108BD9-81ED-4DB2-BD59-A6C34878D82A}">
-                    <a16:rowId xmlns:a16="http://schemas.microsoft.com/office/drawing/2014/main" val="331413840"/>
-                  </a:ext>
-                </a:extLst>
-              </a:tr>
-              <a:tr h="370840">
-                <a:tc>
-                  <a:txBody>
-                    <a:bodyPr/>
-                    <a:lstStyle/>
-                    <a:p>
-                      <a:pPr>
-                        <a:lnSpc>
-                          <a:spcPct val="115000"/>
-                        </a:lnSpc>
-                        <a:spcAft>
-                          <a:spcPts val="800"/>
-                        </a:spcAft>
-                        <a:buNone/>
-                      </a:pPr>
-                      <a:r>
-                        <a:rPr lang="en-SG" sz="1600">
-                          <a:effectLst/>
-                          <a:latin typeface="Times New Roman" panose="02020603050405020304" pitchFamily="18" charset="0"/>
-                          <a:ea typeface="MS Mincho" panose="02020609040205080304" pitchFamily="49" charset="-128"/>
-                          <a:cs typeface="Times New Roman" panose="02020603050405020304" pitchFamily="18" charset="0"/>
-                        </a:rPr>
                         <a:t>Security and Access Control</a:t>
                       </a:r>
                       <a:endParaRPr lang="en-SG" sz="1400">
@@ -4306,7 +4239,7 @@
                           <a:ea typeface="MS Mincho" panose="02020609040205080304" pitchFamily="49" charset="-128"/>
                           <a:cs typeface="Times New Roman" panose="02020603050405020304" pitchFamily="18" charset="0"/>
                         </a:rPr>
-                        <a:t>Full control over authentication, API keys, and data access – Application Security Provision</a:t>
+                        <a:t>Full control over authentication, API keys, and data access </a:t>
                       </a:r>
                       <a:endParaRPr lang="en-SG" sz="1400">
                         <a:effectLst/>
@@ -4320,7 +4253,7 @@
                 </a:tc>
                 <a:extLst>
                   <a:ext uri="{0D108BD9-81ED-4DB2-BD59-A6C34878D82A}">
-                    <a16:rowId xmlns:a16="http://schemas.microsoft.com/office/drawing/2014/main" val="4158491680"/>
+                    <a16:rowId xmlns:a16="http://schemas.microsoft.com/office/drawing/2014/main" val="331413840"/>
                   </a:ext>
                 </a:extLst>
               </a:tr>
@@ -4426,7 +4359,7 @@
                 </a:tc>
                 <a:extLst>
                   <a:ext uri="{0D108BD9-81ED-4DB2-BD59-A6C34878D82A}">
-                    <a16:rowId xmlns:a16="http://schemas.microsoft.com/office/drawing/2014/main" val="2957941433"/>
+                    <a16:rowId xmlns:a16="http://schemas.microsoft.com/office/drawing/2014/main" val="4158491680"/>
                   </a:ext>
                 </a:extLst>
               </a:tr>
@@ -4452,7 +4385,7 @@
                           <a:ea typeface="MS Mincho" panose="02020609040205080304" pitchFamily="49" charset="-128"/>
                           <a:cs typeface="Times New Roman" panose="02020603050405020304" pitchFamily="18" charset="0"/>
                         </a:rPr>
-                        <a:t>Licence</a:t>
+                        <a:t>Pricing Model (Starter Plan)</a:t>
                       </a:r>
                       <a:endParaRPr lang="en-SG" sz="1400">
                         <a:effectLst/>
@@ -4485,7 +4418,33 @@
                           <a:ea typeface="MS Mincho" panose="02020609040205080304" pitchFamily="49" charset="-128"/>
                           <a:cs typeface="Times New Roman" panose="02020603050405020304" pitchFamily="18" charset="0"/>
                         </a:rPr>
-                        <a:t>Open-Source</a:t>
+                        <a:t>Subscription-based managed service</a:t>
+                      </a:r>
+                      <a:endParaRPr lang="en-SG" sz="1400">
+                        <a:effectLst/>
+                        <a:latin typeface="Calibri" panose="020F0502020204030204" pitchFamily="34" charset="0"/>
+                        <a:ea typeface="MS Mincho" panose="02020609040205080304" pitchFamily="49" charset="-128"/>
+                        <a:cs typeface="Times New Roman" panose="02020603050405020304" pitchFamily="18" charset="0"/>
+                      </a:endParaRPr>
+                    </a:p>
+                    <a:p>
+                      <a:pPr>
+                        <a:lnSpc>
+                          <a:spcPct val="115000"/>
+                        </a:lnSpc>
+                        <a:spcAft>
+                          <a:spcPts val="800"/>
+                        </a:spcAft>
+                        <a:buNone/>
+                      </a:pPr>
+                      <a:r>
+                        <a:rPr lang="en-SG" sz="1600">
+                          <a:effectLst/>
+                          <a:latin typeface="Times New Roman" panose="02020603050405020304" pitchFamily="18" charset="0"/>
+                          <a:ea typeface="MS Mincho" panose="02020609040205080304" pitchFamily="49" charset="-128"/>
+                          <a:cs typeface="Times New Roman" panose="02020603050405020304" pitchFamily="18" charset="0"/>
+                        </a:rPr>
+                        <a:t>USD 35/month</a:t>
                       </a:r>
                       <a:endParaRPr lang="en-SG" sz="1400">
                         <a:effectLst/>
@@ -4518,7 +4477,33 @@
                           <a:ea typeface="MS Mincho" panose="02020609040205080304" pitchFamily="49" charset="-128"/>
                           <a:cs typeface="Times New Roman" panose="02020603050405020304" pitchFamily="18" charset="0"/>
                         </a:rPr>
-                        <a:t>commercial hosting platform</a:t>
+                        <a:t>Pay-as-you-go commercial hosting</a:t>
+                      </a:r>
+                      <a:endParaRPr lang="en-SG" sz="1400" dirty="0">
+                        <a:effectLst/>
+                        <a:latin typeface="Calibri" panose="020F0502020204030204" pitchFamily="34" charset="0"/>
+                        <a:ea typeface="MS Mincho" panose="02020609040205080304" pitchFamily="49" charset="-128"/>
+                        <a:cs typeface="Times New Roman" panose="02020603050405020304" pitchFamily="18" charset="0"/>
+                      </a:endParaRPr>
+                    </a:p>
+                    <a:p>
+                      <a:pPr>
+                        <a:lnSpc>
+                          <a:spcPct val="115000"/>
+                        </a:lnSpc>
+                        <a:spcAft>
+                          <a:spcPts val="800"/>
+                        </a:spcAft>
+                        <a:buNone/>
+                      </a:pPr>
+                      <a:r>
+                        <a:rPr lang="en-SG" sz="1600" dirty="0">
+                          <a:effectLst/>
+                          <a:latin typeface="Times New Roman" panose="02020603050405020304" pitchFamily="18" charset="0"/>
+                          <a:ea typeface="MS Mincho" panose="02020609040205080304" pitchFamily="49" charset="-128"/>
+                          <a:cs typeface="Times New Roman" panose="02020603050405020304" pitchFamily="18" charset="0"/>
+                        </a:rPr>
+                        <a:t>USD7/month</a:t>
                       </a:r>
                       <a:endParaRPr lang="en-SG" sz="1400" dirty="0">
                         <a:effectLst/>
@@ -4532,7 +4517,7 @@
                 </a:tc>
                 <a:extLst>
                   <a:ext uri="{0D108BD9-81ED-4DB2-BD59-A6C34878D82A}">
-                    <a16:rowId xmlns:a16="http://schemas.microsoft.com/office/drawing/2014/main" val="3912010893"/>
+                    <a16:rowId xmlns:a16="http://schemas.microsoft.com/office/drawing/2014/main" val="2957941433"/>
                   </a:ext>
                 </a:extLst>
               </a:tr>
@@ -5269,6 +5254,615 @@
 </p:sld>
 </file>
 
+<file path=ppt/slides/slide19.xml><?xml version="1.0" encoding="utf-8"?>
+<p:sld xmlns:a="http://schemas.openxmlformats.org/drawingml/2006/main" xmlns:r="http://schemas.openxmlformats.org/officeDocument/2006/relationships" xmlns:p="http://schemas.openxmlformats.org/presentationml/2006/main">
+  <p:cSld>
+    <p:bg>
+      <p:bgPr>
+        <a:solidFill>
+          <a:schemeClr val="bg1"/>
+        </a:solidFill>
+        <a:effectLst/>
+      </p:bgPr>
+    </p:bg>
+    <p:spTree>
+      <p:nvGrpSpPr>
+        <p:cNvPr id="1" name="">
+          <a:extLst>
+            <a:ext uri="{FF2B5EF4-FFF2-40B4-BE49-F238E27FC236}">
+              <a16:creationId xmlns:a16="http://schemas.microsoft.com/office/drawing/2014/main" id="{F586C309-286E-D87D-5AD7-C293035F8ED4}"/>
+            </a:ext>
+          </a:extLst>
+        </p:cNvPr>
+        <p:cNvGrpSpPr/>
+        <p:nvPr/>
+      </p:nvGrpSpPr>
+      <p:grpSpPr>
+        <a:xfrm>
+          <a:off x="0" y="0"/>
+          <a:ext cx="0" cy="0"/>
+          <a:chOff x="0" y="0"/>
+          <a:chExt cx="0" cy="0"/>
+        </a:xfrm>
+      </p:grpSpPr>
+      <p:sp useBgFill="1">
+        <p:nvSpPr>
+          <p:cNvPr id="21" name="Rectangle 20">
+            <a:extLst>
+              <a:ext uri="{FF2B5EF4-FFF2-40B4-BE49-F238E27FC236}">
+                <a16:creationId xmlns:a16="http://schemas.microsoft.com/office/drawing/2014/main" id="{2151139A-886F-4B97-8815-729AD3831BBD}"/>
+              </a:ext>
+              <a:ext uri="{C183D7F6-B498-43B3-948B-1728B52AA6E4}">
+                <adec:decorative xmlns:adec="http://schemas.microsoft.com/office/drawing/2017/decorative" val="1"/>
+              </a:ext>
+            </a:extLst>
+          </p:cNvPr>
+          <p:cNvSpPr>
+            <a:spLocks noGrp="1" noRot="1" noChangeAspect="1" noMove="1" noResize="1" noEditPoints="1" noAdjustHandles="1" noChangeArrowheads="1" noChangeShapeType="1" noTextEdit="1"/>
+          </p:cNvSpPr>
+          <p:nvPr>
+            <p:extLst>
+              <p:ext uri="{386F3935-93C4-4BCD-93E2-E3B085C9AB24}">
+                <p16:designElem xmlns:p16="http://schemas.microsoft.com/office/powerpoint/2015/main" val="1"/>
+              </p:ext>
+            </p:extLst>
+          </p:nvPr>
+        </p:nvSpPr>
+        <p:spPr>
+          <a:xfrm>
+            <a:off x="0" y="0"/>
+            <a:ext cx="12192000" cy="6858000"/>
+          </a:xfrm>
+          <a:prstGeom prst="rect">
+            <a:avLst/>
+          </a:prstGeom>
+          <a:ln w="12700" cap="flat" cmpd="sng" algn="ctr">
+            <a:noFill/>
+            <a:prstDash val="solid"/>
+            <a:miter lim="800000"/>
+          </a:ln>
+          <a:effectLst/>
+          <a:extLst>
+            <a:ext uri="{91240B29-F687-4F45-9708-019B960494DF}">
+              <a14:hiddenLine xmlns:a14="http://schemas.microsoft.com/office/drawing/2010/main" w="12700" cap="flat" cmpd="sng" algn="ctr">
+                <a:solidFill>
+                  <a:schemeClr val="accent1">
+                    <a:shade val="50000"/>
+                  </a:schemeClr>
+                </a:solidFill>
+                <a:prstDash val="solid"/>
+                <a:miter lim="800000"/>
+              </a14:hiddenLine>
+            </a:ext>
+          </a:extLst>
+        </p:spPr>
+        <p:style>
+          <a:lnRef idx="2">
+            <a:schemeClr val="accent1">
+              <a:shade val="50000"/>
+            </a:schemeClr>
+          </a:lnRef>
+          <a:fillRef idx="1">
+            <a:schemeClr val="accent1"/>
+          </a:fillRef>
+          <a:effectRef idx="0">
+            <a:schemeClr val="accent1"/>
+          </a:effectRef>
+          <a:fontRef idx="minor">
+            <a:schemeClr val="lt1"/>
+          </a:fontRef>
+        </p:style>
+        <p:txBody>
+          <a:bodyPr rtlCol="0" anchor="ctr"/>
+          <a:lstStyle/>
+          <a:p>
+            <a:pPr algn="ctr"/>
+            <a:endParaRPr lang="en-US" sz="2000"/>
+          </a:p>
+        </p:txBody>
+      </p:sp>
+      <p:sp>
+        <p:nvSpPr>
+          <p:cNvPr id="23" name="Rectangle 22">
+            <a:extLst>
+              <a:ext uri="{FF2B5EF4-FFF2-40B4-BE49-F238E27FC236}">
+                <a16:creationId xmlns:a16="http://schemas.microsoft.com/office/drawing/2014/main" id="{AB5E08C4-8CDD-4623-A5B8-E998C6DEE3B7}"/>
+              </a:ext>
+              <a:ext uri="{C183D7F6-B498-43B3-948B-1728B52AA6E4}">
+                <adec:decorative xmlns:adec="http://schemas.microsoft.com/office/drawing/2017/decorative" val="1"/>
+              </a:ext>
+            </a:extLst>
+          </p:cNvPr>
+          <p:cNvSpPr>
+            <a:spLocks noGrp="1" noRot="1" noChangeAspect="1" noMove="1" noResize="1" noEditPoints="1" noAdjustHandles="1" noChangeArrowheads="1" noChangeShapeType="1" noTextEdit="1"/>
+          </p:cNvSpPr>
+          <p:nvPr>
+            <p:extLst>
+              <p:ext uri="{386F3935-93C4-4BCD-93E2-E3B085C9AB24}">
+                <p16:designElem xmlns:p16="http://schemas.microsoft.com/office/powerpoint/2015/main" val="1"/>
+              </p:ext>
+            </p:extLst>
+          </p:nvPr>
+        </p:nvSpPr>
+        <p:spPr>
+          <a:xfrm flipH="1">
+            <a:off x="2" y="492"/>
+            <a:ext cx="12191998" cy="1575955"/>
+          </a:xfrm>
+          <a:prstGeom prst="rect">
+            <a:avLst/>
+          </a:prstGeom>
+          <a:gradFill>
+            <a:gsLst>
+              <a:gs pos="0">
+                <a:schemeClr val="accent1">
+                  <a:lumMod val="50000"/>
+                </a:schemeClr>
+              </a:gs>
+              <a:gs pos="100000">
+                <a:schemeClr val="accent1">
+                  <a:lumMod val="75000"/>
+                </a:schemeClr>
+              </a:gs>
+            </a:gsLst>
+            <a:lin ang="8400000" scaled="0"/>
+          </a:gradFill>
+          <a:ln>
+            <a:noFill/>
+          </a:ln>
+        </p:spPr>
+        <p:style>
+          <a:lnRef idx="2">
+            <a:schemeClr val="accent1">
+              <a:shade val="50000"/>
+            </a:schemeClr>
+          </a:lnRef>
+          <a:fillRef idx="1">
+            <a:schemeClr val="accent1"/>
+          </a:fillRef>
+          <a:effectRef idx="0">
+            <a:schemeClr val="accent1"/>
+          </a:effectRef>
+          <a:fontRef idx="minor">
+            <a:schemeClr val="lt1"/>
+          </a:fontRef>
+        </p:style>
+        <p:txBody>
+          <a:bodyPr rtlCol="0" anchor="ctr"/>
+          <a:lstStyle/>
+          <a:p>
+            <a:pPr algn="ctr"/>
+            <a:endParaRPr lang="en-US"/>
+          </a:p>
+        </p:txBody>
+      </p:sp>
+      <p:sp>
+        <p:nvSpPr>
+          <p:cNvPr id="24" name="Rectangle 23">
+            <a:extLst>
+              <a:ext uri="{FF2B5EF4-FFF2-40B4-BE49-F238E27FC236}">
+                <a16:creationId xmlns:a16="http://schemas.microsoft.com/office/drawing/2014/main" id="{15F33878-D502-4FFA-8ACE-F2AECDB2A23F}"/>
+              </a:ext>
+              <a:ext uri="{C183D7F6-B498-43B3-948B-1728B52AA6E4}">
+                <adec:decorative xmlns:adec="http://schemas.microsoft.com/office/drawing/2017/decorative" val="1"/>
+              </a:ext>
+            </a:extLst>
+          </p:cNvPr>
+          <p:cNvSpPr>
+            <a:spLocks noGrp="1" noRot="1" noChangeAspect="1" noMove="1" noResize="1" noEditPoints="1" noAdjustHandles="1" noChangeArrowheads="1" noChangeShapeType="1" noTextEdit="1"/>
+          </p:cNvSpPr>
+          <p:nvPr>
+            <p:extLst>
+              <p:ext uri="{386F3935-93C4-4BCD-93E2-E3B085C9AB24}">
+                <p16:designElem xmlns:p16="http://schemas.microsoft.com/office/powerpoint/2015/main" val="1"/>
+              </p:ext>
+            </p:extLst>
+          </p:nvPr>
+        </p:nvSpPr>
+        <p:spPr>
+          <a:xfrm rot="10800000" flipH="1">
+            <a:off x="8128857" y="35"/>
+            <a:ext cx="4063143" cy="1576412"/>
+          </a:xfrm>
+          <a:prstGeom prst="rect">
+            <a:avLst/>
+          </a:prstGeom>
+          <a:gradFill>
+            <a:gsLst>
+              <a:gs pos="19000">
+                <a:schemeClr val="accent1">
+                  <a:lumMod val="50000"/>
+                  <a:alpha val="68000"/>
+                </a:schemeClr>
+              </a:gs>
+              <a:gs pos="100000">
+                <a:schemeClr val="accent1">
+                  <a:alpha val="79000"/>
+                </a:schemeClr>
+              </a:gs>
+            </a:gsLst>
+            <a:lin ang="19200000" scaled="0"/>
+          </a:gradFill>
+          <a:ln>
+            <a:noFill/>
+          </a:ln>
+        </p:spPr>
+        <p:style>
+          <a:lnRef idx="2">
+            <a:schemeClr val="accent1">
+              <a:shade val="50000"/>
+            </a:schemeClr>
+          </a:lnRef>
+          <a:fillRef idx="1">
+            <a:schemeClr val="accent1"/>
+          </a:fillRef>
+          <a:effectRef idx="0">
+            <a:schemeClr val="accent1"/>
+          </a:effectRef>
+          <a:fontRef idx="minor">
+            <a:schemeClr val="lt1"/>
+          </a:fontRef>
+        </p:style>
+        <p:txBody>
+          <a:bodyPr rtlCol="0" anchor="ctr"/>
+          <a:lstStyle/>
+          <a:p>
+            <a:pPr algn="ctr"/>
+            <a:endParaRPr lang="en-US"/>
+          </a:p>
+        </p:txBody>
+      </p:sp>
+      <p:sp>
+        <p:nvSpPr>
+          <p:cNvPr id="20" name="Rectangle 19">
+            <a:extLst>
+              <a:ext uri="{FF2B5EF4-FFF2-40B4-BE49-F238E27FC236}">
+                <a16:creationId xmlns:a16="http://schemas.microsoft.com/office/drawing/2014/main" id="{D3539FEE-81D3-4406-802E-60B20B16F4F6}"/>
+              </a:ext>
+              <a:ext uri="{C183D7F6-B498-43B3-948B-1728B52AA6E4}">
+                <adec:decorative xmlns:adec="http://schemas.microsoft.com/office/drawing/2017/decorative" val="1"/>
+              </a:ext>
+            </a:extLst>
+          </p:cNvPr>
+          <p:cNvSpPr>
+            <a:spLocks noGrp="1" noRot="1" noChangeAspect="1" noMove="1" noResize="1" noEditPoints="1" noAdjustHandles="1" noChangeArrowheads="1" noChangeShapeType="1" noTextEdit="1"/>
+          </p:cNvSpPr>
+          <p:nvPr>
+            <p:extLst>
+              <p:ext uri="{386F3935-93C4-4BCD-93E2-E3B085C9AB24}">
+                <p16:designElem xmlns:p16="http://schemas.microsoft.com/office/powerpoint/2015/main" val="1"/>
+              </p:ext>
+            </p:extLst>
+          </p:nvPr>
+        </p:nvSpPr>
+        <p:spPr>
+          <a:xfrm rot="5400000">
+            <a:off x="5307778" y="-5307777"/>
+            <a:ext cx="1576446" cy="12192001"/>
+          </a:xfrm>
+          <a:prstGeom prst="rect">
+            <a:avLst/>
+          </a:prstGeom>
+          <a:gradFill>
+            <a:gsLst>
+              <a:gs pos="16000">
+                <a:srgbClr val="000000">
+                  <a:alpha val="0"/>
+                </a:srgbClr>
+              </a:gs>
+              <a:gs pos="99000">
+                <a:srgbClr val="000000">
+                  <a:alpha val="87000"/>
+                </a:srgbClr>
+              </a:gs>
+            </a:gsLst>
+            <a:lin ang="11400000" scaled="0"/>
+          </a:gradFill>
+          <a:ln>
+            <a:noFill/>
+          </a:ln>
+        </p:spPr>
+        <p:style>
+          <a:lnRef idx="2">
+            <a:schemeClr val="accent1">
+              <a:shade val="50000"/>
+            </a:schemeClr>
+          </a:lnRef>
+          <a:fillRef idx="1">
+            <a:schemeClr val="accent1"/>
+          </a:fillRef>
+          <a:effectRef idx="0">
+            <a:schemeClr val="accent1"/>
+          </a:effectRef>
+          <a:fontRef idx="minor">
+            <a:schemeClr val="lt1"/>
+          </a:fontRef>
+        </p:style>
+        <p:txBody>
+          <a:bodyPr rtlCol="0" anchor="ctr"/>
+          <a:lstStyle/>
+          <a:p>
+            <a:pPr algn="ctr"/>
+            <a:endParaRPr lang="en-US" dirty="0"/>
+          </a:p>
+        </p:txBody>
+      </p:sp>
+      <p:sp>
+        <p:nvSpPr>
+          <p:cNvPr id="22" name="Rectangle 21">
+            <a:extLst>
+              <a:ext uri="{FF2B5EF4-FFF2-40B4-BE49-F238E27FC236}">
+                <a16:creationId xmlns:a16="http://schemas.microsoft.com/office/drawing/2014/main" id="{DC701763-729E-462F-A5A8-E0DEFEB1E2E4}"/>
+              </a:ext>
+              <a:ext uri="{C183D7F6-B498-43B3-948B-1728B52AA6E4}">
+                <adec:decorative xmlns:adec="http://schemas.microsoft.com/office/drawing/2017/decorative" val="1"/>
+              </a:ext>
+            </a:extLst>
+          </p:cNvPr>
+          <p:cNvSpPr>
+            <a:spLocks noGrp="1" noRot="1" noChangeAspect="1" noMove="1" noResize="1" noEditPoints="1" noAdjustHandles="1" noChangeArrowheads="1" noChangeShapeType="1" noTextEdit="1"/>
+          </p:cNvSpPr>
+          <p:nvPr>
+            <p:extLst>
+              <p:ext uri="{386F3935-93C4-4BCD-93E2-E3B085C9AB24}">
+                <p16:designElem xmlns:p16="http://schemas.microsoft.com/office/powerpoint/2015/main" val="1"/>
+              </p:ext>
+            </p:extLst>
+          </p:nvPr>
+        </p:nvSpPr>
+        <p:spPr>
+          <a:xfrm>
+            <a:off x="3825434" y="986"/>
+            <a:ext cx="4303422" cy="1575461"/>
+          </a:xfrm>
+          <a:prstGeom prst="rect">
+            <a:avLst/>
+          </a:prstGeom>
+          <a:gradFill>
+            <a:gsLst>
+              <a:gs pos="0">
+                <a:schemeClr val="accent1">
+                  <a:alpha val="17000"/>
+                </a:schemeClr>
+              </a:gs>
+              <a:gs pos="74000">
+                <a:schemeClr val="accent1">
+                  <a:lumMod val="50000"/>
+                  <a:alpha val="0"/>
+                </a:schemeClr>
+              </a:gs>
+            </a:gsLst>
+            <a:lin ang="14400000" scaled="0"/>
+          </a:gradFill>
+          <a:ln>
+            <a:noFill/>
+          </a:ln>
+        </p:spPr>
+        <p:style>
+          <a:lnRef idx="2">
+            <a:schemeClr val="accent1">
+              <a:shade val="50000"/>
+            </a:schemeClr>
+          </a:lnRef>
+          <a:fillRef idx="1">
+            <a:schemeClr val="accent1"/>
+          </a:fillRef>
+          <a:effectRef idx="0">
+            <a:schemeClr val="accent1"/>
+          </a:effectRef>
+          <a:fontRef idx="minor">
+            <a:schemeClr val="lt1"/>
+          </a:fontRef>
+        </p:style>
+        <p:txBody>
+          <a:bodyPr rtlCol="0" anchor="ctr"/>
+          <a:lstStyle/>
+          <a:p>
+            <a:pPr algn="ctr"/>
+            <a:endParaRPr lang="en-US"/>
+          </a:p>
+        </p:txBody>
+      </p:sp>
+      <p:sp>
+        <p:nvSpPr>
+          <p:cNvPr id="9" name="Title 1">
+            <a:extLst>
+              <a:ext uri="{FF2B5EF4-FFF2-40B4-BE49-F238E27FC236}">
+                <a16:creationId xmlns:a16="http://schemas.microsoft.com/office/drawing/2014/main" id="{28538294-4806-9012-7E24-1D09F2ADC291}"/>
+              </a:ext>
+            </a:extLst>
+          </p:cNvPr>
+          <p:cNvSpPr>
+            <a:spLocks noGrp="1"/>
+          </p:cNvSpPr>
+          <p:nvPr>
+            <p:ph type="title"/>
+          </p:nvPr>
+        </p:nvSpPr>
+        <p:spPr>
+          <a:xfrm>
+            <a:off x="699714" y="353160"/>
+            <a:ext cx="7091300" cy="898581"/>
+          </a:xfrm>
+        </p:spPr>
+        <p:txBody>
+          <a:bodyPr vert="horz" lIns="91440" tIns="45720" rIns="91440" bIns="45720" rtlCol="0" anchor="ctr">
+            <a:normAutofit/>
+          </a:bodyPr>
+          <a:lstStyle/>
+          <a:p>
+            <a:r>
+              <a:rPr lang="en-US" sz="4000" dirty="0">
+                <a:solidFill>
+                  <a:srgbClr val="FFFFFF"/>
+                </a:solidFill>
+              </a:rPr>
+              <a:t>Customer 1111 (Loren)</a:t>
+            </a:r>
+          </a:p>
+        </p:txBody>
+      </p:sp>
+      <p:pic>
+        <p:nvPicPr>
+          <p:cNvPr id="3" name="Picture 2">
+            <a:extLst>
+              <a:ext uri="{FF2B5EF4-FFF2-40B4-BE49-F238E27FC236}">
+                <a16:creationId xmlns:a16="http://schemas.microsoft.com/office/drawing/2014/main" id="{7B360801-E54E-5A3A-FFCB-3DB85B7B848F}"/>
+              </a:ext>
+            </a:extLst>
+          </p:cNvPr>
+          <p:cNvPicPr>
+            <a:picLocks noChangeAspect="1"/>
+          </p:cNvPicPr>
+          <p:nvPr/>
+        </p:nvPicPr>
+        <p:blipFill>
+          <a:blip r:embed="rId3"/>
+          <a:stretch>
+            <a:fillRect/>
+          </a:stretch>
+        </p:blipFill>
+        <p:spPr>
+          <a:xfrm>
+            <a:off x="5877509" y="2507925"/>
+            <a:ext cx="6094477" cy="2713405"/>
+          </a:xfrm>
+          <a:prstGeom prst="rect">
+            <a:avLst/>
+          </a:prstGeom>
+        </p:spPr>
+      </p:pic>
+      <p:pic>
+        <p:nvPicPr>
+          <p:cNvPr id="2" name="Picture 1">
+            <a:extLst>
+              <a:ext uri="{FF2B5EF4-FFF2-40B4-BE49-F238E27FC236}">
+                <a16:creationId xmlns:a16="http://schemas.microsoft.com/office/drawing/2014/main" id="{1471D372-EDFC-ACE6-4E9C-5BC53799E078}"/>
+              </a:ext>
+            </a:extLst>
+          </p:cNvPr>
+          <p:cNvPicPr>
+            <a:picLocks noChangeAspect="1"/>
+          </p:cNvPicPr>
+          <p:nvPr/>
+        </p:nvPicPr>
+        <p:blipFill>
+          <a:blip r:embed="rId4"/>
+          <a:stretch>
+            <a:fillRect/>
+          </a:stretch>
+        </p:blipFill>
+        <p:spPr>
+          <a:xfrm>
+            <a:off x="373211" y="1808188"/>
+            <a:ext cx="5131087" cy="3617416"/>
+          </a:xfrm>
+          <a:prstGeom prst="rect">
+            <a:avLst/>
+          </a:prstGeom>
+        </p:spPr>
+      </p:pic>
+      <p:sp>
+        <p:nvSpPr>
+          <p:cNvPr id="6" name="TextBox 5">
+            <a:extLst>
+              <a:ext uri="{FF2B5EF4-FFF2-40B4-BE49-F238E27FC236}">
+                <a16:creationId xmlns:a16="http://schemas.microsoft.com/office/drawing/2014/main" id="{B6D9CF1F-61EC-A5D3-B282-B270DD672DF3}"/>
+              </a:ext>
+            </a:extLst>
+          </p:cNvPr>
+          <p:cNvSpPr txBox="1"/>
+          <p:nvPr/>
+        </p:nvSpPr>
+        <p:spPr>
+          <a:xfrm>
+            <a:off x="3050287" y="5546320"/>
+            <a:ext cx="6094476" cy="772519"/>
+          </a:xfrm>
+          <a:prstGeom prst="rect">
+            <a:avLst/>
+          </a:prstGeom>
+          <a:noFill/>
+        </p:spPr>
+        <p:txBody>
+          <a:bodyPr wrap="square">
+            <a:spAutoFit/>
+          </a:bodyPr>
+          <a:lstStyle/>
+          <a:p>
+            <a:pPr>
+              <a:lnSpc>
+                <a:spcPct val="107000"/>
+              </a:lnSpc>
+              <a:spcAft>
+                <a:spcPts val="800"/>
+              </a:spcAft>
+              <a:buNone/>
+            </a:pPr>
+            <a:r>
+              <a:rPr lang="en-SG" sz="1400" dirty="0">
+                <a:effectLst/>
+                <a:latin typeface="Times New Roman" panose="02020603050405020304" pitchFamily="18" charset="0"/>
+                <a:ea typeface="MS Mincho" panose="02020609040205080304" pitchFamily="49" charset="-128"/>
+                <a:cs typeface="Times New Roman" panose="02020603050405020304" pitchFamily="18" charset="0"/>
+              </a:rPr>
+              <a:t>Comments: Medium‑risk profile; low credit score offset by good account standing and Singaporean citizenship. Approval subject to additional safeguards (e.g., collateral, higher interest, shorter tenure).</a:t>
+            </a:r>
+            <a:endParaRPr lang="en-SG" sz="1200" dirty="0">
+              <a:effectLst/>
+              <a:latin typeface="Calibri" panose="020F0502020204030204" pitchFamily="34" charset="0"/>
+              <a:ea typeface="MS Mincho" panose="02020609040205080304" pitchFamily="49" charset="-128"/>
+              <a:cs typeface="Times New Roman" panose="02020603050405020304" pitchFamily="18" charset="0"/>
+            </a:endParaRPr>
+          </a:p>
+        </p:txBody>
+      </p:sp>
+      <p:pic>
+        <p:nvPicPr>
+          <p:cNvPr id="7" name="Picture 6">
+            <a:extLst>
+              <a:ext uri="{FF2B5EF4-FFF2-40B4-BE49-F238E27FC236}">
+                <a16:creationId xmlns:a16="http://schemas.microsoft.com/office/drawing/2014/main" id="{2BF29AD5-9C28-6F53-0A3D-A9F26476788D}"/>
+              </a:ext>
+            </a:extLst>
+          </p:cNvPr>
+          <p:cNvPicPr>
+            <a:picLocks noChangeAspect="1"/>
+          </p:cNvPicPr>
+          <p:nvPr/>
+        </p:nvPicPr>
+        <p:blipFill>
+          <a:blip r:embed="rId5"/>
+          <a:stretch>
+            <a:fillRect/>
+          </a:stretch>
+        </p:blipFill>
+        <p:spPr>
+          <a:xfrm>
+            <a:off x="-2" y="1078102"/>
+            <a:ext cx="12192002" cy="467995"/>
+          </a:xfrm>
+          <a:prstGeom prst="rect">
+            <a:avLst/>
+          </a:prstGeom>
+        </p:spPr>
+      </p:pic>
+    </p:spTree>
+    <p:custDataLst>
+      <p:tags r:id="rId1"/>
+    </p:custDataLst>
+    <p:extLst>
+      <p:ext uri="{BB962C8B-B14F-4D97-AF65-F5344CB8AC3E}">
+        <p14:creationId xmlns:p14="http://schemas.microsoft.com/office/powerpoint/2010/main" val="2712598211"/>
+      </p:ext>
+    </p:extLst>
+  </p:cSld>
+  <p:clrMapOvr>
+    <a:masterClrMapping/>
+  </p:clrMapOvr>
+</p:sld>
+</file>
+
 <file path=ppt/slides/slide2.xml><?xml version="1.0" encoding="utf-8"?>
 <p:sld xmlns:a="http://schemas.openxmlformats.org/drawingml/2006/main" xmlns:r="http://schemas.openxmlformats.org/officeDocument/2006/relationships" xmlns:p="http://schemas.openxmlformats.org/presentationml/2006/main">
   <p:cSld>
@@ -5366,6 +5960,2964 @@
     <p:extLst>
       <p:ext uri="{BB962C8B-B14F-4D97-AF65-F5344CB8AC3E}">
         <p14:creationId xmlns:p14="http://schemas.microsoft.com/office/powerpoint/2010/main" val="4057280370"/>
+      </p:ext>
+    </p:extLst>
+  </p:cSld>
+  <p:clrMapOvr>
+    <a:masterClrMapping/>
+  </p:clrMapOvr>
+</p:sld>
+</file>
+
+<file path=ppt/slides/slide20.xml><?xml version="1.0" encoding="utf-8"?>
+<p:sld xmlns:a="http://schemas.openxmlformats.org/drawingml/2006/main" xmlns:r="http://schemas.openxmlformats.org/officeDocument/2006/relationships" xmlns:p="http://schemas.openxmlformats.org/presentationml/2006/main">
+  <p:cSld>
+    <p:bg>
+      <p:bgPr>
+        <a:solidFill>
+          <a:schemeClr val="bg1"/>
+        </a:solidFill>
+        <a:effectLst/>
+      </p:bgPr>
+    </p:bg>
+    <p:spTree>
+      <p:nvGrpSpPr>
+        <p:cNvPr id="1" name="">
+          <a:extLst>
+            <a:ext uri="{FF2B5EF4-FFF2-40B4-BE49-F238E27FC236}">
+              <a16:creationId xmlns:a16="http://schemas.microsoft.com/office/drawing/2014/main" id="{93A24628-FF2E-8F3D-F172-26AAA188BAB6}"/>
+            </a:ext>
+          </a:extLst>
+        </p:cNvPr>
+        <p:cNvGrpSpPr/>
+        <p:nvPr/>
+      </p:nvGrpSpPr>
+      <p:grpSpPr>
+        <a:xfrm>
+          <a:off x="0" y="0"/>
+          <a:ext cx="0" cy="0"/>
+          <a:chOff x="0" y="0"/>
+          <a:chExt cx="0" cy="0"/>
+        </a:xfrm>
+      </p:grpSpPr>
+      <p:sp useBgFill="1">
+        <p:nvSpPr>
+          <p:cNvPr id="21" name="Rectangle 20">
+            <a:extLst>
+              <a:ext uri="{FF2B5EF4-FFF2-40B4-BE49-F238E27FC236}">
+                <a16:creationId xmlns:a16="http://schemas.microsoft.com/office/drawing/2014/main" id="{ADB1359A-E12F-D6EC-E720-E25B950653CF}"/>
+              </a:ext>
+              <a:ext uri="{C183D7F6-B498-43B3-948B-1728B52AA6E4}">
+                <adec:decorative xmlns:adec="http://schemas.microsoft.com/office/drawing/2017/decorative" val="1"/>
+              </a:ext>
+            </a:extLst>
+          </p:cNvPr>
+          <p:cNvSpPr>
+            <a:spLocks noGrp="1" noRot="1" noChangeAspect="1" noMove="1" noResize="1" noEditPoints="1" noAdjustHandles="1" noChangeArrowheads="1" noChangeShapeType="1" noTextEdit="1"/>
+          </p:cNvSpPr>
+          <p:nvPr>
+            <p:extLst>
+              <p:ext uri="{386F3935-93C4-4BCD-93E2-E3B085C9AB24}">
+                <p16:designElem xmlns:p16="http://schemas.microsoft.com/office/powerpoint/2015/main" val="1"/>
+              </p:ext>
+            </p:extLst>
+          </p:nvPr>
+        </p:nvSpPr>
+        <p:spPr>
+          <a:xfrm>
+            <a:off x="0" y="0"/>
+            <a:ext cx="12192000" cy="6858000"/>
+          </a:xfrm>
+          <a:prstGeom prst="rect">
+            <a:avLst/>
+          </a:prstGeom>
+          <a:ln w="12700" cap="flat" cmpd="sng" algn="ctr">
+            <a:noFill/>
+            <a:prstDash val="solid"/>
+            <a:miter lim="800000"/>
+          </a:ln>
+          <a:effectLst/>
+          <a:extLst>
+            <a:ext uri="{91240B29-F687-4F45-9708-019B960494DF}">
+              <a14:hiddenLine xmlns:a14="http://schemas.microsoft.com/office/drawing/2010/main" w="12700" cap="flat" cmpd="sng" algn="ctr">
+                <a:solidFill>
+                  <a:schemeClr val="accent1">
+                    <a:shade val="50000"/>
+                  </a:schemeClr>
+                </a:solidFill>
+                <a:prstDash val="solid"/>
+                <a:miter lim="800000"/>
+              </a14:hiddenLine>
+            </a:ext>
+          </a:extLst>
+        </p:spPr>
+        <p:style>
+          <a:lnRef idx="2">
+            <a:schemeClr val="accent1">
+              <a:shade val="50000"/>
+            </a:schemeClr>
+          </a:lnRef>
+          <a:fillRef idx="1">
+            <a:schemeClr val="accent1"/>
+          </a:fillRef>
+          <a:effectRef idx="0">
+            <a:schemeClr val="accent1"/>
+          </a:effectRef>
+          <a:fontRef idx="minor">
+            <a:schemeClr val="lt1"/>
+          </a:fontRef>
+        </p:style>
+        <p:txBody>
+          <a:bodyPr rtlCol="0" anchor="ctr"/>
+          <a:lstStyle/>
+          <a:p>
+            <a:pPr algn="ctr"/>
+            <a:endParaRPr lang="en-US" sz="2000"/>
+          </a:p>
+        </p:txBody>
+      </p:sp>
+      <p:sp>
+        <p:nvSpPr>
+          <p:cNvPr id="23" name="Rectangle 22">
+            <a:extLst>
+              <a:ext uri="{FF2B5EF4-FFF2-40B4-BE49-F238E27FC236}">
+                <a16:creationId xmlns:a16="http://schemas.microsoft.com/office/drawing/2014/main" id="{EFDF1401-DA29-5963-78AF-306F5739F019}"/>
+              </a:ext>
+              <a:ext uri="{C183D7F6-B498-43B3-948B-1728B52AA6E4}">
+                <adec:decorative xmlns:adec="http://schemas.microsoft.com/office/drawing/2017/decorative" val="1"/>
+              </a:ext>
+            </a:extLst>
+          </p:cNvPr>
+          <p:cNvSpPr>
+            <a:spLocks noGrp="1" noRot="1" noChangeAspect="1" noMove="1" noResize="1" noEditPoints="1" noAdjustHandles="1" noChangeArrowheads="1" noChangeShapeType="1" noTextEdit="1"/>
+          </p:cNvSpPr>
+          <p:nvPr>
+            <p:extLst>
+              <p:ext uri="{386F3935-93C4-4BCD-93E2-E3B085C9AB24}">
+                <p16:designElem xmlns:p16="http://schemas.microsoft.com/office/powerpoint/2015/main" val="1"/>
+              </p:ext>
+            </p:extLst>
+          </p:nvPr>
+        </p:nvSpPr>
+        <p:spPr>
+          <a:xfrm flipH="1">
+            <a:off x="2" y="492"/>
+            <a:ext cx="12191998" cy="1575955"/>
+          </a:xfrm>
+          <a:prstGeom prst="rect">
+            <a:avLst/>
+          </a:prstGeom>
+          <a:gradFill>
+            <a:gsLst>
+              <a:gs pos="0">
+                <a:schemeClr val="accent1">
+                  <a:lumMod val="50000"/>
+                </a:schemeClr>
+              </a:gs>
+              <a:gs pos="100000">
+                <a:schemeClr val="accent1">
+                  <a:lumMod val="75000"/>
+                </a:schemeClr>
+              </a:gs>
+            </a:gsLst>
+            <a:lin ang="8400000" scaled="0"/>
+          </a:gradFill>
+          <a:ln>
+            <a:noFill/>
+          </a:ln>
+        </p:spPr>
+        <p:style>
+          <a:lnRef idx="2">
+            <a:schemeClr val="accent1">
+              <a:shade val="50000"/>
+            </a:schemeClr>
+          </a:lnRef>
+          <a:fillRef idx="1">
+            <a:schemeClr val="accent1"/>
+          </a:fillRef>
+          <a:effectRef idx="0">
+            <a:schemeClr val="accent1"/>
+          </a:effectRef>
+          <a:fontRef idx="minor">
+            <a:schemeClr val="lt1"/>
+          </a:fontRef>
+        </p:style>
+        <p:txBody>
+          <a:bodyPr rtlCol="0" anchor="ctr"/>
+          <a:lstStyle/>
+          <a:p>
+            <a:pPr algn="ctr"/>
+            <a:endParaRPr lang="en-US"/>
+          </a:p>
+        </p:txBody>
+      </p:sp>
+      <p:sp>
+        <p:nvSpPr>
+          <p:cNvPr id="24" name="Rectangle 23">
+            <a:extLst>
+              <a:ext uri="{FF2B5EF4-FFF2-40B4-BE49-F238E27FC236}">
+                <a16:creationId xmlns:a16="http://schemas.microsoft.com/office/drawing/2014/main" id="{A494A559-001A-A04E-D48B-970ADBFF9A6E}"/>
+              </a:ext>
+              <a:ext uri="{C183D7F6-B498-43B3-948B-1728B52AA6E4}">
+                <adec:decorative xmlns:adec="http://schemas.microsoft.com/office/drawing/2017/decorative" val="1"/>
+              </a:ext>
+            </a:extLst>
+          </p:cNvPr>
+          <p:cNvSpPr>
+            <a:spLocks noGrp="1" noRot="1" noChangeAspect="1" noMove="1" noResize="1" noEditPoints="1" noAdjustHandles="1" noChangeArrowheads="1" noChangeShapeType="1" noTextEdit="1"/>
+          </p:cNvSpPr>
+          <p:nvPr>
+            <p:extLst>
+              <p:ext uri="{386F3935-93C4-4BCD-93E2-E3B085C9AB24}">
+                <p16:designElem xmlns:p16="http://schemas.microsoft.com/office/powerpoint/2015/main" val="1"/>
+              </p:ext>
+            </p:extLst>
+          </p:nvPr>
+        </p:nvSpPr>
+        <p:spPr>
+          <a:xfrm rot="10800000" flipH="1">
+            <a:off x="8128857" y="35"/>
+            <a:ext cx="4063143" cy="1576412"/>
+          </a:xfrm>
+          <a:prstGeom prst="rect">
+            <a:avLst/>
+          </a:prstGeom>
+          <a:gradFill>
+            <a:gsLst>
+              <a:gs pos="19000">
+                <a:schemeClr val="accent1">
+                  <a:lumMod val="50000"/>
+                  <a:alpha val="68000"/>
+                </a:schemeClr>
+              </a:gs>
+              <a:gs pos="100000">
+                <a:schemeClr val="accent1">
+                  <a:alpha val="79000"/>
+                </a:schemeClr>
+              </a:gs>
+            </a:gsLst>
+            <a:lin ang="19200000" scaled="0"/>
+          </a:gradFill>
+          <a:ln>
+            <a:noFill/>
+          </a:ln>
+        </p:spPr>
+        <p:style>
+          <a:lnRef idx="2">
+            <a:schemeClr val="accent1">
+              <a:shade val="50000"/>
+            </a:schemeClr>
+          </a:lnRef>
+          <a:fillRef idx="1">
+            <a:schemeClr val="accent1"/>
+          </a:fillRef>
+          <a:effectRef idx="0">
+            <a:schemeClr val="accent1"/>
+          </a:effectRef>
+          <a:fontRef idx="minor">
+            <a:schemeClr val="lt1"/>
+          </a:fontRef>
+        </p:style>
+        <p:txBody>
+          <a:bodyPr rtlCol="0" anchor="ctr"/>
+          <a:lstStyle/>
+          <a:p>
+            <a:pPr algn="ctr"/>
+            <a:endParaRPr lang="en-US"/>
+          </a:p>
+        </p:txBody>
+      </p:sp>
+      <p:sp>
+        <p:nvSpPr>
+          <p:cNvPr id="20" name="Rectangle 19">
+            <a:extLst>
+              <a:ext uri="{FF2B5EF4-FFF2-40B4-BE49-F238E27FC236}">
+                <a16:creationId xmlns:a16="http://schemas.microsoft.com/office/drawing/2014/main" id="{F4A92784-4D69-B9A5-D3B5-61A4335F158E}"/>
+              </a:ext>
+              <a:ext uri="{C183D7F6-B498-43B3-948B-1728B52AA6E4}">
+                <adec:decorative xmlns:adec="http://schemas.microsoft.com/office/drawing/2017/decorative" val="1"/>
+              </a:ext>
+            </a:extLst>
+          </p:cNvPr>
+          <p:cNvSpPr>
+            <a:spLocks noGrp="1" noRot="1" noChangeAspect="1" noMove="1" noResize="1" noEditPoints="1" noAdjustHandles="1" noChangeArrowheads="1" noChangeShapeType="1" noTextEdit="1"/>
+          </p:cNvSpPr>
+          <p:nvPr>
+            <p:extLst>
+              <p:ext uri="{386F3935-93C4-4BCD-93E2-E3B085C9AB24}">
+                <p16:designElem xmlns:p16="http://schemas.microsoft.com/office/powerpoint/2015/main" val="1"/>
+              </p:ext>
+            </p:extLst>
+          </p:nvPr>
+        </p:nvSpPr>
+        <p:spPr>
+          <a:xfrm rot="5400000">
+            <a:off x="5307778" y="-5307777"/>
+            <a:ext cx="1576446" cy="12192001"/>
+          </a:xfrm>
+          <a:prstGeom prst="rect">
+            <a:avLst/>
+          </a:prstGeom>
+          <a:gradFill>
+            <a:gsLst>
+              <a:gs pos="16000">
+                <a:srgbClr val="000000">
+                  <a:alpha val="0"/>
+                </a:srgbClr>
+              </a:gs>
+              <a:gs pos="99000">
+                <a:srgbClr val="000000">
+                  <a:alpha val="87000"/>
+                </a:srgbClr>
+              </a:gs>
+            </a:gsLst>
+            <a:lin ang="11400000" scaled="0"/>
+          </a:gradFill>
+          <a:ln>
+            <a:noFill/>
+          </a:ln>
+        </p:spPr>
+        <p:style>
+          <a:lnRef idx="2">
+            <a:schemeClr val="accent1">
+              <a:shade val="50000"/>
+            </a:schemeClr>
+          </a:lnRef>
+          <a:fillRef idx="1">
+            <a:schemeClr val="accent1"/>
+          </a:fillRef>
+          <a:effectRef idx="0">
+            <a:schemeClr val="accent1"/>
+          </a:effectRef>
+          <a:fontRef idx="minor">
+            <a:schemeClr val="lt1"/>
+          </a:fontRef>
+        </p:style>
+        <p:txBody>
+          <a:bodyPr rtlCol="0" anchor="ctr"/>
+          <a:lstStyle/>
+          <a:p>
+            <a:pPr algn="ctr"/>
+            <a:endParaRPr lang="en-US" dirty="0"/>
+          </a:p>
+        </p:txBody>
+      </p:sp>
+      <p:sp>
+        <p:nvSpPr>
+          <p:cNvPr id="22" name="Rectangle 21">
+            <a:extLst>
+              <a:ext uri="{FF2B5EF4-FFF2-40B4-BE49-F238E27FC236}">
+                <a16:creationId xmlns:a16="http://schemas.microsoft.com/office/drawing/2014/main" id="{AB55755D-4543-D950-1F2D-CC4D091501C2}"/>
+              </a:ext>
+              <a:ext uri="{C183D7F6-B498-43B3-948B-1728B52AA6E4}">
+                <adec:decorative xmlns:adec="http://schemas.microsoft.com/office/drawing/2017/decorative" val="1"/>
+              </a:ext>
+            </a:extLst>
+          </p:cNvPr>
+          <p:cNvSpPr>
+            <a:spLocks noGrp="1" noRot="1" noChangeAspect="1" noMove="1" noResize="1" noEditPoints="1" noAdjustHandles="1" noChangeArrowheads="1" noChangeShapeType="1" noTextEdit="1"/>
+          </p:cNvSpPr>
+          <p:nvPr>
+            <p:extLst>
+              <p:ext uri="{386F3935-93C4-4BCD-93E2-E3B085C9AB24}">
+                <p16:designElem xmlns:p16="http://schemas.microsoft.com/office/powerpoint/2015/main" val="1"/>
+              </p:ext>
+            </p:extLst>
+          </p:nvPr>
+        </p:nvSpPr>
+        <p:spPr>
+          <a:xfrm>
+            <a:off x="3825434" y="986"/>
+            <a:ext cx="4303422" cy="1575461"/>
+          </a:xfrm>
+          <a:prstGeom prst="rect">
+            <a:avLst/>
+          </a:prstGeom>
+          <a:gradFill>
+            <a:gsLst>
+              <a:gs pos="0">
+                <a:schemeClr val="accent1">
+                  <a:alpha val="17000"/>
+                </a:schemeClr>
+              </a:gs>
+              <a:gs pos="74000">
+                <a:schemeClr val="accent1">
+                  <a:lumMod val="50000"/>
+                  <a:alpha val="0"/>
+                </a:schemeClr>
+              </a:gs>
+            </a:gsLst>
+            <a:lin ang="14400000" scaled="0"/>
+          </a:gradFill>
+          <a:ln>
+            <a:noFill/>
+          </a:ln>
+        </p:spPr>
+        <p:style>
+          <a:lnRef idx="2">
+            <a:schemeClr val="accent1">
+              <a:shade val="50000"/>
+            </a:schemeClr>
+          </a:lnRef>
+          <a:fillRef idx="1">
+            <a:schemeClr val="accent1"/>
+          </a:fillRef>
+          <a:effectRef idx="0">
+            <a:schemeClr val="accent1"/>
+          </a:effectRef>
+          <a:fontRef idx="minor">
+            <a:schemeClr val="lt1"/>
+          </a:fontRef>
+        </p:style>
+        <p:txBody>
+          <a:bodyPr rtlCol="0" anchor="ctr"/>
+          <a:lstStyle/>
+          <a:p>
+            <a:pPr algn="ctr"/>
+            <a:endParaRPr lang="en-US"/>
+          </a:p>
+        </p:txBody>
+      </p:sp>
+      <p:sp>
+        <p:nvSpPr>
+          <p:cNvPr id="9" name="Title 1">
+            <a:extLst>
+              <a:ext uri="{FF2B5EF4-FFF2-40B4-BE49-F238E27FC236}">
+                <a16:creationId xmlns:a16="http://schemas.microsoft.com/office/drawing/2014/main" id="{A3AD4796-6B24-2C14-078A-EED11905FB38}"/>
+              </a:ext>
+            </a:extLst>
+          </p:cNvPr>
+          <p:cNvSpPr>
+            <a:spLocks noGrp="1"/>
+          </p:cNvSpPr>
+          <p:nvPr>
+            <p:ph type="title"/>
+          </p:nvPr>
+        </p:nvSpPr>
+        <p:spPr>
+          <a:xfrm>
+            <a:off x="699714" y="353160"/>
+            <a:ext cx="7091300" cy="898581"/>
+          </a:xfrm>
+        </p:spPr>
+        <p:txBody>
+          <a:bodyPr vert="horz" lIns="91440" tIns="45720" rIns="91440" bIns="45720" rtlCol="0" anchor="ctr">
+            <a:normAutofit/>
+          </a:bodyPr>
+          <a:lstStyle/>
+          <a:p>
+            <a:r>
+              <a:rPr lang="en-US" sz="4000" dirty="0">
+                <a:solidFill>
+                  <a:srgbClr val="FFFFFF"/>
+                </a:solidFill>
+              </a:rPr>
+              <a:t>Customer 2222 (Matt)</a:t>
+            </a:r>
+          </a:p>
+        </p:txBody>
+      </p:sp>
+      <p:sp>
+        <p:nvSpPr>
+          <p:cNvPr id="6" name="TextBox 5">
+            <a:extLst>
+              <a:ext uri="{FF2B5EF4-FFF2-40B4-BE49-F238E27FC236}">
+                <a16:creationId xmlns:a16="http://schemas.microsoft.com/office/drawing/2014/main" id="{FE6CCA61-EDF2-BE74-9438-0E91E45C29C6}"/>
+              </a:ext>
+            </a:extLst>
+          </p:cNvPr>
+          <p:cNvSpPr txBox="1"/>
+          <p:nvPr/>
+        </p:nvSpPr>
+        <p:spPr>
+          <a:xfrm>
+            <a:off x="3050287" y="5546320"/>
+            <a:ext cx="6094476" cy="954107"/>
+          </a:xfrm>
+          <a:prstGeom prst="rect">
+            <a:avLst/>
+          </a:prstGeom>
+          <a:noFill/>
+        </p:spPr>
+        <p:txBody>
+          <a:bodyPr wrap="square">
+            <a:spAutoFit/>
+          </a:bodyPr>
+          <a:lstStyle/>
+          <a:p>
+            <a:r>
+              <a:rPr lang="en-SG" sz="1400" dirty="0"/>
+              <a:t>Comments: Medium‑risk profile; solid credit score offsets the closed‑account flag. Because the applicant holds Singapore PR status, the “reject non‑Singaporean + non‑PR” rule does </a:t>
+            </a:r>
+            <a:r>
+              <a:rPr lang="en-SG" sz="1400" b="1" dirty="0"/>
+              <a:t>not</a:t>
+            </a:r>
+            <a:r>
+              <a:rPr lang="en-SG" sz="1400" dirty="0"/>
+              <a:t> apply. Approval may be subject to additional safeguards (e.g., collateral, shorter loan term).</a:t>
+            </a:r>
+          </a:p>
+        </p:txBody>
+      </p:sp>
+      <p:pic>
+        <p:nvPicPr>
+          <p:cNvPr id="4" name="Picture 3">
+            <a:extLst>
+              <a:ext uri="{FF2B5EF4-FFF2-40B4-BE49-F238E27FC236}">
+                <a16:creationId xmlns:a16="http://schemas.microsoft.com/office/drawing/2014/main" id="{4D22BED6-E807-5A73-EB6E-C804A25F35B7}"/>
+              </a:ext>
+            </a:extLst>
+          </p:cNvPr>
+          <p:cNvPicPr>
+            <a:picLocks noChangeAspect="1"/>
+          </p:cNvPicPr>
+          <p:nvPr/>
+        </p:nvPicPr>
+        <p:blipFill>
+          <a:blip r:embed="rId3"/>
+          <a:stretch>
+            <a:fillRect/>
+          </a:stretch>
+        </p:blipFill>
+        <p:spPr>
+          <a:xfrm>
+            <a:off x="0" y="1111103"/>
+            <a:ext cx="12191998" cy="424815"/>
+          </a:xfrm>
+          <a:prstGeom prst="rect">
+            <a:avLst/>
+          </a:prstGeom>
+        </p:spPr>
+      </p:pic>
+      <p:pic>
+        <p:nvPicPr>
+          <p:cNvPr id="5" name="Picture 4">
+            <a:extLst>
+              <a:ext uri="{FF2B5EF4-FFF2-40B4-BE49-F238E27FC236}">
+                <a16:creationId xmlns:a16="http://schemas.microsoft.com/office/drawing/2014/main" id="{FE4882DF-844C-D728-624C-3A59D478C753}"/>
+              </a:ext>
+            </a:extLst>
+          </p:cNvPr>
+          <p:cNvPicPr>
+            <a:picLocks noChangeAspect="1"/>
+          </p:cNvPicPr>
+          <p:nvPr/>
+        </p:nvPicPr>
+        <p:blipFill>
+          <a:blip r:embed="rId4"/>
+          <a:stretch>
+            <a:fillRect/>
+          </a:stretch>
+        </p:blipFill>
+        <p:spPr>
+          <a:xfrm>
+            <a:off x="145997" y="2123100"/>
+            <a:ext cx="5731510" cy="2976880"/>
+          </a:xfrm>
+          <a:prstGeom prst="rect">
+            <a:avLst/>
+          </a:prstGeom>
+        </p:spPr>
+      </p:pic>
+      <p:pic>
+        <p:nvPicPr>
+          <p:cNvPr id="8" name="Picture 7">
+            <a:extLst>
+              <a:ext uri="{FF2B5EF4-FFF2-40B4-BE49-F238E27FC236}">
+                <a16:creationId xmlns:a16="http://schemas.microsoft.com/office/drawing/2014/main" id="{116122F6-572C-BCF5-D6A0-0A4B0F539299}"/>
+              </a:ext>
+            </a:extLst>
+          </p:cNvPr>
+          <p:cNvPicPr>
+            <a:picLocks noChangeAspect="1"/>
+          </p:cNvPicPr>
+          <p:nvPr/>
+        </p:nvPicPr>
+        <p:blipFill>
+          <a:blip r:embed="rId5"/>
+          <a:stretch>
+            <a:fillRect/>
+          </a:stretch>
+        </p:blipFill>
+        <p:spPr>
+          <a:xfrm>
+            <a:off x="6023503" y="2646035"/>
+            <a:ext cx="5825597" cy="2361124"/>
+          </a:xfrm>
+          <a:prstGeom prst="rect">
+            <a:avLst/>
+          </a:prstGeom>
+        </p:spPr>
+      </p:pic>
+    </p:spTree>
+    <p:custDataLst>
+      <p:tags r:id="rId1"/>
+    </p:custDataLst>
+    <p:extLst>
+      <p:ext uri="{BB962C8B-B14F-4D97-AF65-F5344CB8AC3E}">
+        <p14:creationId xmlns:p14="http://schemas.microsoft.com/office/powerpoint/2010/main" val="1309684106"/>
+      </p:ext>
+    </p:extLst>
+  </p:cSld>
+  <p:clrMapOvr>
+    <a:masterClrMapping/>
+  </p:clrMapOvr>
+</p:sld>
+</file>
+
+<file path=ppt/slides/slide21.xml><?xml version="1.0" encoding="utf-8"?>
+<p:sld xmlns:a="http://schemas.openxmlformats.org/drawingml/2006/main" xmlns:r="http://schemas.openxmlformats.org/officeDocument/2006/relationships" xmlns:p="http://schemas.openxmlformats.org/presentationml/2006/main">
+  <p:cSld>
+    <p:bg>
+      <p:bgPr>
+        <a:solidFill>
+          <a:schemeClr val="bg1"/>
+        </a:solidFill>
+        <a:effectLst/>
+      </p:bgPr>
+    </p:bg>
+    <p:spTree>
+      <p:nvGrpSpPr>
+        <p:cNvPr id="1" name="">
+          <a:extLst>
+            <a:ext uri="{FF2B5EF4-FFF2-40B4-BE49-F238E27FC236}">
+              <a16:creationId xmlns:a16="http://schemas.microsoft.com/office/drawing/2014/main" id="{6999032F-1366-67DC-449F-256FF428BCFF}"/>
+            </a:ext>
+          </a:extLst>
+        </p:cNvPr>
+        <p:cNvGrpSpPr/>
+        <p:nvPr/>
+      </p:nvGrpSpPr>
+      <p:grpSpPr>
+        <a:xfrm>
+          <a:off x="0" y="0"/>
+          <a:ext cx="0" cy="0"/>
+          <a:chOff x="0" y="0"/>
+          <a:chExt cx="0" cy="0"/>
+        </a:xfrm>
+      </p:grpSpPr>
+      <p:sp useBgFill="1">
+        <p:nvSpPr>
+          <p:cNvPr id="21" name="Rectangle 20">
+            <a:extLst>
+              <a:ext uri="{FF2B5EF4-FFF2-40B4-BE49-F238E27FC236}">
+                <a16:creationId xmlns:a16="http://schemas.microsoft.com/office/drawing/2014/main" id="{29364DDA-6619-A32A-5D62-736E7178A736}"/>
+              </a:ext>
+              <a:ext uri="{C183D7F6-B498-43B3-948B-1728B52AA6E4}">
+                <adec:decorative xmlns:adec="http://schemas.microsoft.com/office/drawing/2017/decorative" val="1"/>
+              </a:ext>
+            </a:extLst>
+          </p:cNvPr>
+          <p:cNvSpPr>
+            <a:spLocks noGrp="1" noRot="1" noChangeAspect="1" noMove="1" noResize="1" noEditPoints="1" noAdjustHandles="1" noChangeArrowheads="1" noChangeShapeType="1" noTextEdit="1"/>
+          </p:cNvSpPr>
+          <p:nvPr>
+            <p:extLst>
+              <p:ext uri="{386F3935-93C4-4BCD-93E2-E3B085C9AB24}">
+                <p16:designElem xmlns:p16="http://schemas.microsoft.com/office/powerpoint/2015/main" val="1"/>
+              </p:ext>
+            </p:extLst>
+          </p:nvPr>
+        </p:nvSpPr>
+        <p:spPr>
+          <a:xfrm>
+            <a:off x="0" y="0"/>
+            <a:ext cx="12192000" cy="6858000"/>
+          </a:xfrm>
+          <a:prstGeom prst="rect">
+            <a:avLst/>
+          </a:prstGeom>
+          <a:ln w="12700" cap="flat" cmpd="sng" algn="ctr">
+            <a:noFill/>
+            <a:prstDash val="solid"/>
+            <a:miter lim="800000"/>
+          </a:ln>
+          <a:effectLst/>
+          <a:extLst>
+            <a:ext uri="{91240B29-F687-4F45-9708-019B960494DF}">
+              <a14:hiddenLine xmlns:a14="http://schemas.microsoft.com/office/drawing/2010/main" w="12700" cap="flat" cmpd="sng" algn="ctr">
+                <a:solidFill>
+                  <a:schemeClr val="accent1">
+                    <a:shade val="50000"/>
+                  </a:schemeClr>
+                </a:solidFill>
+                <a:prstDash val="solid"/>
+                <a:miter lim="800000"/>
+              </a14:hiddenLine>
+            </a:ext>
+          </a:extLst>
+        </p:spPr>
+        <p:style>
+          <a:lnRef idx="2">
+            <a:schemeClr val="accent1">
+              <a:shade val="50000"/>
+            </a:schemeClr>
+          </a:lnRef>
+          <a:fillRef idx="1">
+            <a:schemeClr val="accent1"/>
+          </a:fillRef>
+          <a:effectRef idx="0">
+            <a:schemeClr val="accent1"/>
+          </a:effectRef>
+          <a:fontRef idx="minor">
+            <a:schemeClr val="lt1"/>
+          </a:fontRef>
+        </p:style>
+        <p:txBody>
+          <a:bodyPr rtlCol="0" anchor="ctr"/>
+          <a:lstStyle/>
+          <a:p>
+            <a:pPr algn="ctr"/>
+            <a:endParaRPr lang="en-US" sz="2000"/>
+          </a:p>
+        </p:txBody>
+      </p:sp>
+      <p:sp>
+        <p:nvSpPr>
+          <p:cNvPr id="23" name="Rectangle 22">
+            <a:extLst>
+              <a:ext uri="{FF2B5EF4-FFF2-40B4-BE49-F238E27FC236}">
+                <a16:creationId xmlns:a16="http://schemas.microsoft.com/office/drawing/2014/main" id="{764268CE-60ED-3424-3D4F-5AF899601A45}"/>
+              </a:ext>
+              <a:ext uri="{C183D7F6-B498-43B3-948B-1728B52AA6E4}">
+                <adec:decorative xmlns:adec="http://schemas.microsoft.com/office/drawing/2017/decorative" val="1"/>
+              </a:ext>
+            </a:extLst>
+          </p:cNvPr>
+          <p:cNvSpPr>
+            <a:spLocks noGrp="1" noRot="1" noChangeAspect="1" noMove="1" noResize="1" noEditPoints="1" noAdjustHandles="1" noChangeArrowheads="1" noChangeShapeType="1" noTextEdit="1"/>
+          </p:cNvSpPr>
+          <p:nvPr>
+            <p:extLst>
+              <p:ext uri="{386F3935-93C4-4BCD-93E2-E3B085C9AB24}">
+                <p16:designElem xmlns:p16="http://schemas.microsoft.com/office/powerpoint/2015/main" val="1"/>
+              </p:ext>
+            </p:extLst>
+          </p:nvPr>
+        </p:nvSpPr>
+        <p:spPr>
+          <a:xfrm flipH="1">
+            <a:off x="2" y="492"/>
+            <a:ext cx="12191998" cy="1575955"/>
+          </a:xfrm>
+          <a:prstGeom prst="rect">
+            <a:avLst/>
+          </a:prstGeom>
+          <a:gradFill>
+            <a:gsLst>
+              <a:gs pos="0">
+                <a:schemeClr val="accent1">
+                  <a:lumMod val="50000"/>
+                </a:schemeClr>
+              </a:gs>
+              <a:gs pos="100000">
+                <a:schemeClr val="accent1">
+                  <a:lumMod val="75000"/>
+                </a:schemeClr>
+              </a:gs>
+            </a:gsLst>
+            <a:lin ang="8400000" scaled="0"/>
+          </a:gradFill>
+          <a:ln>
+            <a:noFill/>
+          </a:ln>
+        </p:spPr>
+        <p:style>
+          <a:lnRef idx="2">
+            <a:schemeClr val="accent1">
+              <a:shade val="50000"/>
+            </a:schemeClr>
+          </a:lnRef>
+          <a:fillRef idx="1">
+            <a:schemeClr val="accent1"/>
+          </a:fillRef>
+          <a:effectRef idx="0">
+            <a:schemeClr val="accent1"/>
+          </a:effectRef>
+          <a:fontRef idx="minor">
+            <a:schemeClr val="lt1"/>
+          </a:fontRef>
+        </p:style>
+        <p:txBody>
+          <a:bodyPr rtlCol="0" anchor="ctr"/>
+          <a:lstStyle/>
+          <a:p>
+            <a:pPr algn="ctr"/>
+            <a:endParaRPr lang="en-US"/>
+          </a:p>
+        </p:txBody>
+      </p:sp>
+      <p:sp>
+        <p:nvSpPr>
+          <p:cNvPr id="24" name="Rectangle 23">
+            <a:extLst>
+              <a:ext uri="{FF2B5EF4-FFF2-40B4-BE49-F238E27FC236}">
+                <a16:creationId xmlns:a16="http://schemas.microsoft.com/office/drawing/2014/main" id="{254D3819-92E1-A2CA-6767-7F33B00350C9}"/>
+              </a:ext>
+              <a:ext uri="{C183D7F6-B498-43B3-948B-1728B52AA6E4}">
+                <adec:decorative xmlns:adec="http://schemas.microsoft.com/office/drawing/2017/decorative" val="1"/>
+              </a:ext>
+            </a:extLst>
+          </p:cNvPr>
+          <p:cNvSpPr>
+            <a:spLocks noGrp="1" noRot="1" noChangeAspect="1" noMove="1" noResize="1" noEditPoints="1" noAdjustHandles="1" noChangeArrowheads="1" noChangeShapeType="1" noTextEdit="1"/>
+          </p:cNvSpPr>
+          <p:nvPr>
+            <p:extLst>
+              <p:ext uri="{386F3935-93C4-4BCD-93E2-E3B085C9AB24}">
+                <p16:designElem xmlns:p16="http://schemas.microsoft.com/office/powerpoint/2015/main" val="1"/>
+              </p:ext>
+            </p:extLst>
+          </p:nvPr>
+        </p:nvSpPr>
+        <p:spPr>
+          <a:xfrm rot="10800000" flipH="1">
+            <a:off x="8128857" y="35"/>
+            <a:ext cx="4063143" cy="1576412"/>
+          </a:xfrm>
+          <a:prstGeom prst="rect">
+            <a:avLst/>
+          </a:prstGeom>
+          <a:gradFill>
+            <a:gsLst>
+              <a:gs pos="19000">
+                <a:schemeClr val="accent1">
+                  <a:lumMod val="50000"/>
+                  <a:alpha val="68000"/>
+                </a:schemeClr>
+              </a:gs>
+              <a:gs pos="100000">
+                <a:schemeClr val="accent1">
+                  <a:alpha val="79000"/>
+                </a:schemeClr>
+              </a:gs>
+            </a:gsLst>
+            <a:lin ang="19200000" scaled="0"/>
+          </a:gradFill>
+          <a:ln>
+            <a:noFill/>
+          </a:ln>
+        </p:spPr>
+        <p:style>
+          <a:lnRef idx="2">
+            <a:schemeClr val="accent1">
+              <a:shade val="50000"/>
+            </a:schemeClr>
+          </a:lnRef>
+          <a:fillRef idx="1">
+            <a:schemeClr val="accent1"/>
+          </a:fillRef>
+          <a:effectRef idx="0">
+            <a:schemeClr val="accent1"/>
+          </a:effectRef>
+          <a:fontRef idx="minor">
+            <a:schemeClr val="lt1"/>
+          </a:fontRef>
+        </p:style>
+        <p:txBody>
+          <a:bodyPr rtlCol="0" anchor="ctr"/>
+          <a:lstStyle/>
+          <a:p>
+            <a:pPr algn="ctr"/>
+            <a:endParaRPr lang="en-US"/>
+          </a:p>
+        </p:txBody>
+      </p:sp>
+      <p:sp>
+        <p:nvSpPr>
+          <p:cNvPr id="20" name="Rectangle 19">
+            <a:extLst>
+              <a:ext uri="{FF2B5EF4-FFF2-40B4-BE49-F238E27FC236}">
+                <a16:creationId xmlns:a16="http://schemas.microsoft.com/office/drawing/2014/main" id="{6D6B6361-855E-0053-5886-82D66C82831F}"/>
+              </a:ext>
+              <a:ext uri="{C183D7F6-B498-43B3-948B-1728B52AA6E4}">
+                <adec:decorative xmlns:adec="http://schemas.microsoft.com/office/drawing/2017/decorative" val="1"/>
+              </a:ext>
+            </a:extLst>
+          </p:cNvPr>
+          <p:cNvSpPr>
+            <a:spLocks noGrp="1" noRot="1" noChangeAspect="1" noMove="1" noResize="1" noEditPoints="1" noAdjustHandles="1" noChangeArrowheads="1" noChangeShapeType="1" noTextEdit="1"/>
+          </p:cNvSpPr>
+          <p:nvPr>
+            <p:extLst>
+              <p:ext uri="{386F3935-93C4-4BCD-93E2-E3B085C9AB24}">
+                <p16:designElem xmlns:p16="http://schemas.microsoft.com/office/powerpoint/2015/main" val="1"/>
+              </p:ext>
+            </p:extLst>
+          </p:nvPr>
+        </p:nvSpPr>
+        <p:spPr>
+          <a:xfrm rot="5400000">
+            <a:off x="5307778" y="-5307777"/>
+            <a:ext cx="1576446" cy="12192001"/>
+          </a:xfrm>
+          <a:prstGeom prst="rect">
+            <a:avLst/>
+          </a:prstGeom>
+          <a:gradFill>
+            <a:gsLst>
+              <a:gs pos="16000">
+                <a:srgbClr val="000000">
+                  <a:alpha val="0"/>
+                </a:srgbClr>
+              </a:gs>
+              <a:gs pos="99000">
+                <a:srgbClr val="000000">
+                  <a:alpha val="87000"/>
+                </a:srgbClr>
+              </a:gs>
+            </a:gsLst>
+            <a:lin ang="11400000" scaled="0"/>
+          </a:gradFill>
+          <a:ln>
+            <a:noFill/>
+          </a:ln>
+        </p:spPr>
+        <p:style>
+          <a:lnRef idx="2">
+            <a:schemeClr val="accent1">
+              <a:shade val="50000"/>
+            </a:schemeClr>
+          </a:lnRef>
+          <a:fillRef idx="1">
+            <a:schemeClr val="accent1"/>
+          </a:fillRef>
+          <a:effectRef idx="0">
+            <a:schemeClr val="accent1"/>
+          </a:effectRef>
+          <a:fontRef idx="minor">
+            <a:schemeClr val="lt1"/>
+          </a:fontRef>
+        </p:style>
+        <p:txBody>
+          <a:bodyPr rtlCol="0" anchor="ctr"/>
+          <a:lstStyle/>
+          <a:p>
+            <a:pPr algn="ctr"/>
+            <a:endParaRPr lang="en-US" dirty="0"/>
+          </a:p>
+        </p:txBody>
+      </p:sp>
+      <p:sp>
+        <p:nvSpPr>
+          <p:cNvPr id="22" name="Rectangle 21">
+            <a:extLst>
+              <a:ext uri="{FF2B5EF4-FFF2-40B4-BE49-F238E27FC236}">
+                <a16:creationId xmlns:a16="http://schemas.microsoft.com/office/drawing/2014/main" id="{7746D9D6-EB63-52C1-57A7-655D33B27B60}"/>
+              </a:ext>
+              <a:ext uri="{C183D7F6-B498-43B3-948B-1728B52AA6E4}">
+                <adec:decorative xmlns:adec="http://schemas.microsoft.com/office/drawing/2017/decorative" val="1"/>
+              </a:ext>
+            </a:extLst>
+          </p:cNvPr>
+          <p:cNvSpPr>
+            <a:spLocks noGrp="1" noRot="1" noChangeAspect="1" noMove="1" noResize="1" noEditPoints="1" noAdjustHandles="1" noChangeArrowheads="1" noChangeShapeType="1" noTextEdit="1"/>
+          </p:cNvSpPr>
+          <p:nvPr>
+            <p:extLst>
+              <p:ext uri="{386F3935-93C4-4BCD-93E2-E3B085C9AB24}">
+                <p16:designElem xmlns:p16="http://schemas.microsoft.com/office/powerpoint/2015/main" val="1"/>
+              </p:ext>
+            </p:extLst>
+          </p:nvPr>
+        </p:nvSpPr>
+        <p:spPr>
+          <a:xfrm>
+            <a:off x="3825434" y="986"/>
+            <a:ext cx="4303422" cy="1575461"/>
+          </a:xfrm>
+          <a:prstGeom prst="rect">
+            <a:avLst/>
+          </a:prstGeom>
+          <a:gradFill>
+            <a:gsLst>
+              <a:gs pos="0">
+                <a:schemeClr val="accent1">
+                  <a:alpha val="17000"/>
+                </a:schemeClr>
+              </a:gs>
+              <a:gs pos="74000">
+                <a:schemeClr val="accent1">
+                  <a:lumMod val="50000"/>
+                  <a:alpha val="0"/>
+                </a:schemeClr>
+              </a:gs>
+            </a:gsLst>
+            <a:lin ang="14400000" scaled="0"/>
+          </a:gradFill>
+          <a:ln>
+            <a:noFill/>
+          </a:ln>
+        </p:spPr>
+        <p:style>
+          <a:lnRef idx="2">
+            <a:schemeClr val="accent1">
+              <a:shade val="50000"/>
+            </a:schemeClr>
+          </a:lnRef>
+          <a:fillRef idx="1">
+            <a:schemeClr val="accent1"/>
+          </a:fillRef>
+          <a:effectRef idx="0">
+            <a:schemeClr val="accent1"/>
+          </a:effectRef>
+          <a:fontRef idx="minor">
+            <a:schemeClr val="lt1"/>
+          </a:fontRef>
+        </p:style>
+        <p:txBody>
+          <a:bodyPr rtlCol="0" anchor="ctr"/>
+          <a:lstStyle/>
+          <a:p>
+            <a:pPr algn="ctr"/>
+            <a:endParaRPr lang="en-US"/>
+          </a:p>
+        </p:txBody>
+      </p:sp>
+      <p:sp>
+        <p:nvSpPr>
+          <p:cNvPr id="9" name="Title 1">
+            <a:extLst>
+              <a:ext uri="{FF2B5EF4-FFF2-40B4-BE49-F238E27FC236}">
+                <a16:creationId xmlns:a16="http://schemas.microsoft.com/office/drawing/2014/main" id="{63889D24-90C2-AE5F-0257-ED8793F72EA8}"/>
+              </a:ext>
+            </a:extLst>
+          </p:cNvPr>
+          <p:cNvSpPr>
+            <a:spLocks noGrp="1"/>
+          </p:cNvSpPr>
+          <p:nvPr>
+            <p:ph type="title"/>
+          </p:nvPr>
+        </p:nvSpPr>
+        <p:spPr>
+          <a:xfrm>
+            <a:off x="699714" y="353160"/>
+            <a:ext cx="7091300" cy="898581"/>
+          </a:xfrm>
+        </p:spPr>
+        <p:txBody>
+          <a:bodyPr vert="horz" lIns="91440" tIns="45720" rIns="91440" bIns="45720" rtlCol="0" anchor="ctr">
+            <a:normAutofit/>
+          </a:bodyPr>
+          <a:lstStyle/>
+          <a:p>
+            <a:r>
+              <a:rPr lang="en-US" sz="4000" dirty="0">
+                <a:solidFill>
+                  <a:srgbClr val="FFFFFF"/>
+                </a:solidFill>
+              </a:rPr>
+              <a:t>Customer 3333 (Hilda)</a:t>
+            </a:r>
+          </a:p>
+        </p:txBody>
+      </p:sp>
+      <p:sp>
+        <p:nvSpPr>
+          <p:cNvPr id="6" name="TextBox 5">
+            <a:extLst>
+              <a:ext uri="{FF2B5EF4-FFF2-40B4-BE49-F238E27FC236}">
+                <a16:creationId xmlns:a16="http://schemas.microsoft.com/office/drawing/2014/main" id="{5668FECF-B560-CCF5-C958-BA722F0BD32A}"/>
+              </a:ext>
+            </a:extLst>
+          </p:cNvPr>
+          <p:cNvSpPr txBox="1"/>
+          <p:nvPr/>
+        </p:nvSpPr>
+        <p:spPr>
+          <a:xfrm>
+            <a:off x="3050287" y="5546320"/>
+            <a:ext cx="6094476" cy="954107"/>
+          </a:xfrm>
+          <a:prstGeom prst="rect">
+            <a:avLst/>
+          </a:prstGeom>
+          <a:noFill/>
+        </p:spPr>
+        <p:txBody>
+          <a:bodyPr wrap="square">
+            <a:spAutoFit/>
+          </a:bodyPr>
+          <a:lstStyle/>
+          <a:p>
+            <a:r>
+              <a:rPr lang="en-SG" sz="1400" dirty="0"/>
+              <a:t>Comments: Although the credit score is very strong, the account is delinquent and the overall loan risk is classified as </a:t>
+            </a:r>
+            <a:r>
+              <a:rPr lang="en-SG" sz="1400" b="1" dirty="0"/>
+              <a:t>High</a:t>
+            </a:r>
+            <a:r>
+              <a:rPr lang="en-SG" sz="1400" dirty="0"/>
+              <a:t>. The policy to reject non‑Singaporeans without PR does not apply (the applicant is Singaporean), but the high‑risk profile warrants a rejection.</a:t>
+            </a:r>
+          </a:p>
+        </p:txBody>
+      </p:sp>
+      <p:pic>
+        <p:nvPicPr>
+          <p:cNvPr id="2" name="Picture 1">
+            <a:extLst>
+              <a:ext uri="{FF2B5EF4-FFF2-40B4-BE49-F238E27FC236}">
+                <a16:creationId xmlns:a16="http://schemas.microsoft.com/office/drawing/2014/main" id="{E1DA90A0-6E6B-7B3D-353C-23623BEA470E}"/>
+              </a:ext>
+            </a:extLst>
+          </p:cNvPr>
+          <p:cNvPicPr>
+            <a:picLocks noChangeAspect="1"/>
+          </p:cNvPicPr>
+          <p:nvPr/>
+        </p:nvPicPr>
+        <p:blipFill>
+          <a:blip r:embed="rId3"/>
+          <a:stretch>
+            <a:fillRect/>
+          </a:stretch>
+        </p:blipFill>
+        <p:spPr>
+          <a:xfrm>
+            <a:off x="0" y="1089305"/>
+            <a:ext cx="12191998" cy="464820"/>
+          </a:xfrm>
+          <a:prstGeom prst="rect">
+            <a:avLst/>
+          </a:prstGeom>
+        </p:spPr>
+      </p:pic>
+      <p:pic>
+        <p:nvPicPr>
+          <p:cNvPr id="3" name="Picture 2">
+            <a:extLst>
+              <a:ext uri="{FF2B5EF4-FFF2-40B4-BE49-F238E27FC236}">
+                <a16:creationId xmlns:a16="http://schemas.microsoft.com/office/drawing/2014/main" id="{BD7C1F79-C6FE-D2B0-C947-13CF8BD84EA0}"/>
+              </a:ext>
+            </a:extLst>
+          </p:cNvPr>
+          <p:cNvPicPr>
+            <a:picLocks noChangeAspect="1"/>
+          </p:cNvPicPr>
+          <p:nvPr/>
+        </p:nvPicPr>
+        <p:blipFill>
+          <a:blip r:embed="rId4"/>
+          <a:stretch>
+            <a:fillRect/>
+          </a:stretch>
+        </p:blipFill>
+        <p:spPr>
+          <a:xfrm>
+            <a:off x="184532" y="1676386"/>
+            <a:ext cx="5731510" cy="3769995"/>
+          </a:xfrm>
+          <a:prstGeom prst="rect">
+            <a:avLst/>
+          </a:prstGeom>
+        </p:spPr>
+      </p:pic>
+      <p:pic>
+        <p:nvPicPr>
+          <p:cNvPr id="7" name="Picture 6">
+            <a:extLst>
+              <a:ext uri="{FF2B5EF4-FFF2-40B4-BE49-F238E27FC236}">
+                <a16:creationId xmlns:a16="http://schemas.microsoft.com/office/drawing/2014/main" id="{3C5E98DC-451B-7F30-F68A-608D200AD187}"/>
+              </a:ext>
+            </a:extLst>
+          </p:cNvPr>
+          <p:cNvPicPr>
+            <a:picLocks noChangeAspect="1"/>
+          </p:cNvPicPr>
+          <p:nvPr/>
+        </p:nvPicPr>
+        <p:blipFill>
+          <a:blip r:embed="rId5"/>
+          <a:stretch>
+            <a:fillRect/>
+          </a:stretch>
+        </p:blipFill>
+        <p:spPr>
+          <a:xfrm>
+            <a:off x="6095999" y="2456324"/>
+            <a:ext cx="5731510" cy="2210118"/>
+          </a:xfrm>
+          <a:prstGeom prst="rect">
+            <a:avLst/>
+          </a:prstGeom>
+        </p:spPr>
+      </p:pic>
+    </p:spTree>
+    <p:custDataLst>
+      <p:tags r:id="rId1"/>
+    </p:custDataLst>
+    <p:extLst>
+      <p:ext uri="{BB962C8B-B14F-4D97-AF65-F5344CB8AC3E}">
+        <p14:creationId xmlns:p14="http://schemas.microsoft.com/office/powerpoint/2010/main" val="321192505"/>
+      </p:ext>
+    </p:extLst>
+  </p:cSld>
+  <p:clrMapOvr>
+    <a:masterClrMapping/>
+  </p:clrMapOvr>
+</p:sld>
+</file>
+
+<file path=ppt/slides/slide22.xml><?xml version="1.0" encoding="utf-8"?>
+<p:sld xmlns:a="http://schemas.openxmlformats.org/drawingml/2006/main" xmlns:r="http://schemas.openxmlformats.org/officeDocument/2006/relationships" xmlns:p="http://schemas.openxmlformats.org/presentationml/2006/main">
+  <p:cSld>
+    <p:bg>
+      <p:bgPr>
+        <a:solidFill>
+          <a:schemeClr val="bg1"/>
+        </a:solidFill>
+        <a:effectLst/>
+      </p:bgPr>
+    </p:bg>
+    <p:spTree>
+      <p:nvGrpSpPr>
+        <p:cNvPr id="1" name="">
+          <a:extLst>
+            <a:ext uri="{FF2B5EF4-FFF2-40B4-BE49-F238E27FC236}">
+              <a16:creationId xmlns:a16="http://schemas.microsoft.com/office/drawing/2014/main" id="{6E3285D5-1927-907C-6276-EB099091B90F}"/>
+            </a:ext>
+          </a:extLst>
+        </p:cNvPr>
+        <p:cNvGrpSpPr/>
+        <p:nvPr/>
+      </p:nvGrpSpPr>
+      <p:grpSpPr>
+        <a:xfrm>
+          <a:off x="0" y="0"/>
+          <a:ext cx="0" cy="0"/>
+          <a:chOff x="0" y="0"/>
+          <a:chExt cx="0" cy="0"/>
+        </a:xfrm>
+      </p:grpSpPr>
+      <p:sp useBgFill="1">
+        <p:nvSpPr>
+          <p:cNvPr id="21" name="Rectangle 20">
+            <a:extLst>
+              <a:ext uri="{FF2B5EF4-FFF2-40B4-BE49-F238E27FC236}">
+                <a16:creationId xmlns:a16="http://schemas.microsoft.com/office/drawing/2014/main" id="{FA43BBB7-60D7-5DDF-ACA8-AC8F975B0A4D}"/>
+              </a:ext>
+              <a:ext uri="{C183D7F6-B498-43B3-948B-1728B52AA6E4}">
+                <adec:decorative xmlns:adec="http://schemas.microsoft.com/office/drawing/2017/decorative" val="1"/>
+              </a:ext>
+            </a:extLst>
+          </p:cNvPr>
+          <p:cNvSpPr>
+            <a:spLocks noGrp="1" noRot="1" noChangeAspect="1" noMove="1" noResize="1" noEditPoints="1" noAdjustHandles="1" noChangeArrowheads="1" noChangeShapeType="1" noTextEdit="1"/>
+          </p:cNvSpPr>
+          <p:nvPr>
+            <p:extLst>
+              <p:ext uri="{386F3935-93C4-4BCD-93E2-E3B085C9AB24}">
+                <p16:designElem xmlns:p16="http://schemas.microsoft.com/office/powerpoint/2015/main" val="1"/>
+              </p:ext>
+            </p:extLst>
+          </p:nvPr>
+        </p:nvSpPr>
+        <p:spPr>
+          <a:xfrm>
+            <a:off x="0" y="0"/>
+            <a:ext cx="12192000" cy="6858000"/>
+          </a:xfrm>
+          <a:prstGeom prst="rect">
+            <a:avLst/>
+          </a:prstGeom>
+          <a:ln w="12700" cap="flat" cmpd="sng" algn="ctr">
+            <a:noFill/>
+            <a:prstDash val="solid"/>
+            <a:miter lim="800000"/>
+          </a:ln>
+          <a:effectLst/>
+          <a:extLst>
+            <a:ext uri="{91240B29-F687-4F45-9708-019B960494DF}">
+              <a14:hiddenLine xmlns:a14="http://schemas.microsoft.com/office/drawing/2010/main" w="12700" cap="flat" cmpd="sng" algn="ctr">
+                <a:solidFill>
+                  <a:schemeClr val="accent1">
+                    <a:shade val="50000"/>
+                  </a:schemeClr>
+                </a:solidFill>
+                <a:prstDash val="solid"/>
+                <a:miter lim="800000"/>
+              </a14:hiddenLine>
+            </a:ext>
+          </a:extLst>
+        </p:spPr>
+        <p:style>
+          <a:lnRef idx="2">
+            <a:schemeClr val="accent1">
+              <a:shade val="50000"/>
+            </a:schemeClr>
+          </a:lnRef>
+          <a:fillRef idx="1">
+            <a:schemeClr val="accent1"/>
+          </a:fillRef>
+          <a:effectRef idx="0">
+            <a:schemeClr val="accent1"/>
+          </a:effectRef>
+          <a:fontRef idx="minor">
+            <a:schemeClr val="lt1"/>
+          </a:fontRef>
+        </p:style>
+        <p:txBody>
+          <a:bodyPr rtlCol="0" anchor="ctr"/>
+          <a:lstStyle/>
+          <a:p>
+            <a:pPr algn="ctr"/>
+            <a:endParaRPr lang="en-US" sz="2000"/>
+          </a:p>
+        </p:txBody>
+      </p:sp>
+      <p:sp>
+        <p:nvSpPr>
+          <p:cNvPr id="23" name="Rectangle 22">
+            <a:extLst>
+              <a:ext uri="{FF2B5EF4-FFF2-40B4-BE49-F238E27FC236}">
+                <a16:creationId xmlns:a16="http://schemas.microsoft.com/office/drawing/2014/main" id="{8CF30D2A-391B-F1DF-5592-5D2971CD51AC}"/>
+              </a:ext>
+              <a:ext uri="{C183D7F6-B498-43B3-948B-1728B52AA6E4}">
+                <adec:decorative xmlns:adec="http://schemas.microsoft.com/office/drawing/2017/decorative" val="1"/>
+              </a:ext>
+            </a:extLst>
+          </p:cNvPr>
+          <p:cNvSpPr>
+            <a:spLocks noGrp="1" noRot="1" noChangeAspect="1" noMove="1" noResize="1" noEditPoints="1" noAdjustHandles="1" noChangeArrowheads="1" noChangeShapeType="1" noTextEdit="1"/>
+          </p:cNvSpPr>
+          <p:nvPr>
+            <p:extLst>
+              <p:ext uri="{386F3935-93C4-4BCD-93E2-E3B085C9AB24}">
+                <p16:designElem xmlns:p16="http://schemas.microsoft.com/office/powerpoint/2015/main" val="1"/>
+              </p:ext>
+            </p:extLst>
+          </p:nvPr>
+        </p:nvSpPr>
+        <p:spPr>
+          <a:xfrm flipH="1">
+            <a:off x="2" y="492"/>
+            <a:ext cx="12191998" cy="1575955"/>
+          </a:xfrm>
+          <a:prstGeom prst="rect">
+            <a:avLst/>
+          </a:prstGeom>
+          <a:gradFill>
+            <a:gsLst>
+              <a:gs pos="0">
+                <a:schemeClr val="accent1">
+                  <a:lumMod val="50000"/>
+                </a:schemeClr>
+              </a:gs>
+              <a:gs pos="100000">
+                <a:schemeClr val="accent1">
+                  <a:lumMod val="75000"/>
+                </a:schemeClr>
+              </a:gs>
+            </a:gsLst>
+            <a:lin ang="8400000" scaled="0"/>
+          </a:gradFill>
+          <a:ln>
+            <a:noFill/>
+          </a:ln>
+        </p:spPr>
+        <p:style>
+          <a:lnRef idx="2">
+            <a:schemeClr val="accent1">
+              <a:shade val="50000"/>
+            </a:schemeClr>
+          </a:lnRef>
+          <a:fillRef idx="1">
+            <a:schemeClr val="accent1"/>
+          </a:fillRef>
+          <a:effectRef idx="0">
+            <a:schemeClr val="accent1"/>
+          </a:effectRef>
+          <a:fontRef idx="minor">
+            <a:schemeClr val="lt1"/>
+          </a:fontRef>
+        </p:style>
+        <p:txBody>
+          <a:bodyPr rtlCol="0" anchor="ctr"/>
+          <a:lstStyle/>
+          <a:p>
+            <a:pPr algn="ctr"/>
+            <a:endParaRPr lang="en-US"/>
+          </a:p>
+        </p:txBody>
+      </p:sp>
+      <p:sp>
+        <p:nvSpPr>
+          <p:cNvPr id="24" name="Rectangle 23">
+            <a:extLst>
+              <a:ext uri="{FF2B5EF4-FFF2-40B4-BE49-F238E27FC236}">
+                <a16:creationId xmlns:a16="http://schemas.microsoft.com/office/drawing/2014/main" id="{BE6A8F88-91C8-B683-CFC5-F19650385460}"/>
+              </a:ext>
+              <a:ext uri="{C183D7F6-B498-43B3-948B-1728B52AA6E4}">
+                <adec:decorative xmlns:adec="http://schemas.microsoft.com/office/drawing/2017/decorative" val="1"/>
+              </a:ext>
+            </a:extLst>
+          </p:cNvPr>
+          <p:cNvSpPr>
+            <a:spLocks noGrp="1" noRot="1" noChangeAspect="1" noMove="1" noResize="1" noEditPoints="1" noAdjustHandles="1" noChangeArrowheads="1" noChangeShapeType="1" noTextEdit="1"/>
+          </p:cNvSpPr>
+          <p:nvPr>
+            <p:extLst>
+              <p:ext uri="{386F3935-93C4-4BCD-93E2-E3B085C9AB24}">
+                <p16:designElem xmlns:p16="http://schemas.microsoft.com/office/powerpoint/2015/main" val="1"/>
+              </p:ext>
+            </p:extLst>
+          </p:nvPr>
+        </p:nvSpPr>
+        <p:spPr>
+          <a:xfrm rot="10800000" flipH="1">
+            <a:off x="8128857" y="35"/>
+            <a:ext cx="4063143" cy="1576412"/>
+          </a:xfrm>
+          <a:prstGeom prst="rect">
+            <a:avLst/>
+          </a:prstGeom>
+          <a:gradFill>
+            <a:gsLst>
+              <a:gs pos="19000">
+                <a:schemeClr val="accent1">
+                  <a:lumMod val="50000"/>
+                  <a:alpha val="68000"/>
+                </a:schemeClr>
+              </a:gs>
+              <a:gs pos="100000">
+                <a:schemeClr val="accent1">
+                  <a:alpha val="79000"/>
+                </a:schemeClr>
+              </a:gs>
+            </a:gsLst>
+            <a:lin ang="19200000" scaled="0"/>
+          </a:gradFill>
+          <a:ln>
+            <a:noFill/>
+          </a:ln>
+        </p:spPr>
+        <p:style>
+          <a:lnRef idx="2">
+            <a:schemeClr val="accent1">
+              <a:shade val="50000"/>
+            </a:schemeClr>
+          </a:lnRef>
+          <a:fillRef idx="1">
+            <a:schemeClr val="accent1"/>
+          </a:fillRef>
+          <a:effectRef idx="0">
+            <a:schemeClr val="accent1"/>
+          </a:effectRef>
+          <a:fontRef idx="minor">
+            <a:schemeClr val="lt1"/>
+          </a:fontRef>
+        </p:style>
+        <p:txBody>
+          <a:bodyPr rtlCol="0" anchor="ctr"/>
+          <a:lstStyle/>
+          <a:p>
+            <a:pPr algn="ctr"/>
+            <a:endParaRPr lang="en-US"/>
+          </a:p>
+        </p:txBody>
+      </p:sp>
+      <p:sp>
+        <p:nvSpPr>
+          <p:cNvPr id="20" name="Rectangle 19">
+            <a:extLst>
+              <a:ext uri="{FF2B5EF4-FFF2-40B4-BE49-F238E27FC236}">
+                <a16:creationId xmlns:a16="http://schemas.microsoft.com/office/drawing/2014/main" id="{DE145E69-2827-209F-4B13-08D6AAD5CE3F}"/>
+              </a:ext>
+              <a:ext uri="{C183D7F6-B498-43B3-948B-1728B52AA6E4}">
+                <adec:decorative xmlns:adec="http://schemas.microsoft.com/office/drawing/2017/decorative" val="1"/>
+              </a:ext>
+            </a:extLst>
+          </p:cNvPr>
+          <p:cNvSpPr>
+            <a:spLocks noGrp="1" noRot="1" noChangeAspect="1" noMove="1" noResize="1" noEditPoints="1" noAdjustHandles="1" noChangeArrowheads="1" noChangeShapeType="1" noTextEdit="1"/>
+          </p:cNvSpPr>
+          <p:nvPr>
+            <p:extLst>
+              <p:ext uri="{386F3935-93C4-4BCD-93E2-E3B085C9AB24}">
+                <p16:designElem xmlns:p16="http://schemas.microsoft.com/office/powerpoint/2015/main" val="1"/>
+              </p:ext>
+            </p:extLst>
+          </p:nvPr>
+        </p:nvSpPr>
+        <p:spPr>
+          <a:xfrm rot="5400000">
+            <a:off x="5307778" y="-5307777"/>
+            <a:ext cx="1576446" cy="12192001"/>
+          </a:xfrm>
+          <a:prstGeom prst="rect">
+            <a:avLst/>
+          </a:prstGeom>
+          <a:gradFill>
+            <a:gsLst>
+              <a:gs pos="16000">
+                <a:srgbClr val="000000">
+                  <a:alpha val="0"/>
+                </a:srgbClr>
+              </a:gs>
+              <a:gs pos="99000">
+                <a:srgbClr val="000000">
+                  <a:alpha val="87000"/>
+                </a:srgbClr>
+              </a:gs>
+            </a:gsLst>
+            <a:lin ang="11400000" scaled="0"/>
+          </a:gradFill>
+          <a:ln>
+            <a:noFill/>
+          </a:ln>
+        </p:spPr>
+        <p:style>
+          <a:lnRef idx="2">
+            <a:schemeClr val="accent1">
+              <a:shade val="50000"/>
+            </a:schemeClr>
+          </a:lnRef>
+          <a:fillRef idx="1">
+            <a:schemeClr val="accent1"/>
+          </a:fillRef>
+          <a:effectRef idx="0">
+            <a:schemeClr val="accent1"/>
+          </a:effectRef>
+          <a:fontRef idx="minor">
+            <a:schemeClr val="lt1"/>
+          </a:fontRef>
+        </p:style>
+        <p:txBody>
+          <a:bodyPr rtlCol="0" anchor="ctr"/>
+          <a:lstStyle/>
+          <a:p>
+            <a:pPr algn="ctr"/>
+            <a:endParaRPr lang="en-US" dirty="0"/>
+          </a:p>
+        </p:txBody>
+      </p:sp>
+      <p:sp>
+        <p:nvSpPr>
+          <p:cNvPr id="22" name="Rectangle 21">
+            <a:extLst>
+              <a:ext uri="{FF2B5EF4-FFF2-40B4-BE49-F238E27FC236}">
+                <a16:creationId xmlns:a16="http://schemas.microsoft.com/office/drawing/2014/main" id="{01FDC4F4-4892-D617-EA12-70AE224CA28B}"/>
+              </a:ext>
+              <a:ext uri="{C183D7F6-B498-43B3-948B-1728B52AA6E4}">
+                <adec:decorative xmlns:adec="http://schemas.microsoft.com/office/drawing/2017/decorative" val="1"/>
+              </a:ext>
+            </a:extLst>
+          </p:cNvPr>
+          <p:cNvSpPr>
+            <a:spLocks noGrp="1" noRot="1" noChangeAspect="1" noMove="1" noResize="1" noEditPoints="1" noAdjustHandles="1" noChangeArrowheads="1" noChangeShapeType="1" noTextEdit="1"/>
+          </p:cNvSpPr>
+          <p:nvPr>
+            <p:extLst>
+              <p:ext uri="{386F3935-93C4-4BCD-93E2-E3B085C9AB24}">
+                <p16:designElem xmlns:p16="http://schemas.microsoft.com/office/powerpoint/2015/main" val="1"/>
+              </p:ext>
+            </p:extLst>
+          </p:nvPr>
+        </p:nvSpPr>
+        <p:spPr>
+          <a:xfrm>
+            <a:off x="3825434" y="986"/>
+            <a:ext cx="4303422" cy="1575461"/>
+          </a:xfrm>
+          <a:prstGeom prst="rect">
+            <a:avLst/>
+          </a:prstGeom>
+          <a:gradFill>
+            <a:gsLst>
+              <a:gs pos="0">
+                <a:schemeClr val="accent1">
+                  <a:alpha val="17000"/>
+                </a:schemeClr>
+              </a:gs>
+              <a:gs pos="74000">
+                <a:schemeClr val="accent1">
+                  <a:lumMod val="50000"/>
+                  <a:alpha val="0"/>
+                </a:schemeClr>
+              </a:gs>
+            </a:gsLst>
+            <a:lin ang="14400000" scaled="0"/>
+          </a:gradFill>
+          <a:ln>
+            <a:noFill/>
+          </a:ln>
+        </p:spPr>
+        <p:style>
+          <a:lnRef idx="2">
+            <a:schemeClr val="accent1">
+              <a:shade val="50000"/>
+            </a:schemeClr>
+          </a:lnRef>
+          <a:fillRef idx="1">
+            <a:schemeClr val="accent1"/>
+          </a:fillRef>
+          <a:effectRef idx="0">
+            <a:schemeClr val="accent1"/>
+          </a:effectRef>
+          <a:fontRef idx="minor">
+            <a:schemeClr val="lt1"/>
+          </a:fontRef>
+        </p:style>
+        <p:txBody>
+          <a:bodyPr rtlCol="0" anchor="ctr"/>
+          <a:lstStyle/>
+          <a:p>
+            <a:pPr algn="ctr"/>
+            <a:endParaRPr lang="en-US"/>
+          </a:p>
+        </p:txBody>
+      </p:sp>
+      <p:sp>
+        <p:nvSpPr>
+          <p:cNvPr id="9" name="Title 1">
+            <a:extLst>
+              <a:ext uri="{FF2B5EF4-FFF2-40B4-BE49-F238E27FC236}">
+                <a16:creationId xmlns:a16="http://schemas.microsoft.com/office/drawing/2014/main" id="{44382887-4EB1-FAF1-D735-7761EF9147B6}"/>
+              </a:ext>
+            </a:extLst>
+          </p:cNvPr>
+          <p:cNvSpPr>
+            <a:spLocks noGrp="1"/>
+          </p:cNvSpPr>
+          <p:nvPr>
+            <p:ph type="title"/>
+          </p:nvPr>
+        </p:nvSpPr>
+        <p:spPr>
+          <a:xfrm>
+            <a:off x="699714" y="353160"/>
+            <a:ext cx="7091300" cy="898581"/>
+          </a:xfrm>
+        </p:spPr>
+        <p:txBody>
+          <a:bodyPr vert="horz" lIns="91440" tIns="45720" rIns="91440" bIns="45720" rtlCol="0" anchor="ctr">
+            <a:normAutofit/>
+          </a:bodyPr>
+          <a:lstStyle/>
+          <a:p>
+            <a:r>
+              <a:rPr lang="en-US" sz="4000" dirty="0">
+                <a:solidFill>
+                  <a:srgbClr val="FFFFFF"/>
+                </a:solidFill>
+              </a:rPr>
+              <a:t>Customer 4444 (Andy)</a:t>
+            </a:r>
+          </a:p>
+        </p:txBody>
+      </p:sp>
+      <p:pic>
+        <p:nvPicPr>
+          <p:cNvPr id="4" name="Picture 3">
+            <a:extLst>
+              <a:ext uri="{FF2B5EF4-FFF2-40B4-BE49-F238E27FC236}">
+                <a16:creationId xmlns:a16="http://schemas.microsoft.com/office/drawing/2014/main" id="{78806682-8822-77DA-BC07-670FAF347A6D}"/>
+              </a:ext>
+            </a:extLst>
+          </p:cNvPr>
+          <p:cNvPicPr>
+            <a:picLocks noChangeAspect="1"/>
+          </p:cNvPicPr>
+          <p:nvPr/>
+        </p:nvPicPr>
+        <p:blipFill>
+          <a:blip r:embed="rId3"/>
+          <a:stretch>
+            <a:fillRect/>
+          </a:stretch>
+        </p:blipFill>
+        <p:spPr>
+          <a:xfrm>
+            <a:off x="0" y="1024631"/>
+            <a:ext cx="12115800" cy="551815"/>
+          </a:xfrm>
+          <a:prstGeom prst="rect">
+            <a:avLst/>
+          </a:prstGeom>
+        </p:spPr>
+      </p:pic>
+      <p:pic>
+        <p:nvPicPr>
+          <p:cNvPr id="5" name="Picture 4">
+            <a:extLst>
+              <a:ext uri="{FF2B5EF4-FFF2-40B4-BE49-F238E27FC236}">
+                <a16:creationId xmlns:a16="http://schemas.microsoft.com/office/drawing/2014/main" id="{64140AC6-25E4-346B-2DBF-031A84BFBA7C}"/>
+              </a:ext>
+            </a:extLst>
+          </p:cNvPr>
+          <p:cNvPicPr>
+            <a:picLocks noChangeAspect="1"/>
+          </p:cNvPicPr>
+          <p:nvPr/>
+        </p:nvPicPr>
+        <p:blipFill>
+          <a:blip r:embed="rId4"/>
+          <a:stretch>
+            <a:fillRect/>
+          </a:stretch>
+        </p:blipFill>
+        <p:spPr>
+          <a:xfrm>
+            <a:off x="105409" y="1740361"/>
+            <a:ext cx="5925415" cy="3448385"/>
+          </a:xfrm>
+          <a:prstGeom prst="rect">
+            <a:avLst/>
+          </a:prstGeom>
+        </p:spPr>
+      </p:pic>
+      <p:pic>
+        <p:nvPicPr>
+          <p:cNvPr id="8" name="Picture 7">
+            <a:extLst>
+              <a:ext uri="{FF2B5EF4-FFF2-40B4-BE49-F238E27FC236}">
+                <a16:creationId xmlns:a16="http://schemas.microsoft.com/office/drawing/2014/main" id="{62BCBE1B-3B2E-7E96-D556-FB8FCA579E1E}"/>
+              </a:ext>
+            </a:extLst>
+          </p:cNvPr>
+          <p:cNvPicPr>
+            <a:picLocks noChangeAspect="1"/>
+          </p:cNvPicPr>
+          <p:nvPr/>
+        </p:nvPicPr>
+        <p:blipFill>
+          <a:blip r:embed="rId5"/>
+          <a:stretch>
+            <a:fillRect/>
+          </a:stretch>
+        </p:blipFill>
+        <p:spPr>
+          <a:xfrm>
+            <a:off x="5853430" y="1897422"/>
+            <a:ext cx="1418590" cy="3361690"/>
+          </a:xfrm>
+          <a:prstGeom prst="rect">
+            <a:avLst/>
+          </a:prstGeom>
+        </p:spPr>
+      </p:pic>
+      <p:pic>
+        <p:nvPicPr>
+          <p:cNvPr id="10" name="Picture 9">
+            <a:extLst>
+              <a:ext uri="{FF2B5EF4-FFF2-40B4-BE49-F238E27FC236}">
+                <a16:creationId xmlns:a16="http://schemas.microsoft.com/office/drawing/2014/main" id="{9B79E92F-75D4-3DAA-732B-501207B7E139}"/>
+              </a:ext>
+            </a:extLst>
+          </p:cNvPr>
+          <p:cNvPicPr>
+            <a:picLocks noChangeAspect="1"/>
+          </p:cNvPicPr>
+          <p:nvPr/>
+        </p:nvPicPr>
+        <p:blipFill>
+          <a:blip r:embed="rId6"/>
+          <a:stretch>
+            <a:fillRect/>
+          </a:stretch>
+        </p:blipFill>
+        <p:spPr>
+          <a:xfrm>
+            <a:off x="7279005" y="2504237"/>
+            <a:ext cx="4906010" cy="2391613"/>
+          </a:xfrm>
+          <a:prstGeom prst="rect">
+            <a:avLst/>
+          </a:prstGeom>
+        </p:spPr>
+      </p:pic>
+    </p:spTree>
+    <p:custDataLst>
+      <p:tags r:id="rId1"/>
+    </p:custDataLst>
+    <p:extLst>
+      <p:ext uri="{BB962C8B-B14F-4D97-AF65-F5344CB8AC3E}">
+        <p14:creationId xmlns:p14="http://schemas.microsoft.com/office/powerpoint/2010/main" val="275974730"/>
+      </p:ext>
+    </p:extLst>
+  </p:cSld>
+  <p:clrMapOvr>
+    <a:masterClrMapping/>
+  </p:clrMapOvr>
+</p:sld>
+</file>
+
+<file path=ppt/slides/slide23.xml><?xml version="1.0" encoding="utf-8"?>
+<p:sld xmlns:a="http://schemas.openxmlformats.org/drawingml/2006/main" xmlns:r="http://schemas.openxmlformats.org/officeDocument/2006/relationships" xmlns:p="http://schemas.openxmlformats.org/presentationml/2006/main">
+  <p:cSld>
+    <p:bg>
+      <p:bgPr>
+        <a:solidFill>
+          <a:schemeClr val="bg1"/>
+        </a:solidFill>
+        <a:effectLst/>
+      </p:bgPr>
+    </p:bg>
+    <p:spTree>
+      <p:nvGrpSpPr>
+        <p:cNvPr id="1" name="">
+          <a:extLst>
+            <a:ext uri="{FF2B5EF4-FFF2-40B4-BE49-F238E27FC236}">
+              <a16:creationId xmlns:a16="http://schemas.microsoft.com/office/drawing/2014/main" id="{054A3A38-AFD4-9FCB-7B63-13A431402390}"/>
+            </a:ext>
+          </a:extLst>
+        </p:cNvPr>
+        <p:cNvGrpSpPr/>
+        <p:nvPr/>
+      </p:nvGrpSpPr>
+      <p:grpSpPr>
+        <a:xfrm>
+          <a:off x="0" y="0"/>
+          <a:ext cx="0" cy="0"/>
+          <a:chOff x="0" y="0"/>
+          <a:chExt cx="0" cy="0"/>
+        </a:xfrm>
+      </p:grpSpPr>
+      <p:sp useBgFill="1">
+        <p:nvSpPr>
+          <p:cNvPr id="21" name="Rectangle 20">
+            <a:extLst>
+              <a:ext uri="{FF2B5EF4-FFF2-40B4-BE49-F238E27FC236}">
+                <a16:creationId xmlns:a16="http://schemas.microsoft.com/office/drawing/2014/main" id="{173799B4-C122-BF60-7682-229D9A8D8702}"/>
+              </a:ext>
+              <a:ext uri="{C183D7F6-B498-43B3-948B-1728B52AA6E4}">
+                <adec:decorative xmlns:adec="http://schemas.microsoft.com/office/drawing/2017/decorative" val="1"/>
+              </a:ext>
+            </a:extLst>
+          </p:cNvPr>
+          <p:cNvSpPr>
+            <a:spLocks noGrp="1" noRot="1" noChangeAspect="1" noMove="1" noResize="1" noEditPoints="1" noAdjustHandles="1" noChangeArrowheads="1" noChangeShapeType="1" noTextEdit="1"/>
+          </p:cNvSpPr>
+          <p:nvPr>
+            <p:extLst>
+              <p:ext uri="{386F3935-93C4-4BCD-93E2-E3B085C9AB24}">
+                <p16:designElem xmlns:p16="http://schemas.microsoft.com/office/powerpoint/2015/main" val="1"/>
+              </p:ext>
+            </p:extLst>
+          </p:nvPr>
+        </p:nvSpPr>
+        <p:spPr>
+          <a:xfrm>
+            <a:off x="0" y="0"/>
+            <a:ext cx="12192000" cy="6858000"/>
+          </a:xfrm>
+          <a:prstGeom prst="rect">
+            <a:avLst/>
+          </a:prstGeom>
+          <a:ln w="12700" cap="flat" cmpd="sng" algn="ctr">
+            <a:noFill/>
+            <a:prstDash val="solid"/>
+            <a:miter lim="800000"/>
+          </a:ln>
+          <a:effectLst/>
+          <a:extLst>
+            <a:ext uri="{91240B29-F687-4F45-9708-019B960494DF}">
+              <a14:hiddenLine xmlns:a14="http://schemas.microsoft.com/office/drawing/2010/main" w="12700" cap="flat" cmpd="sng" algn="ctr">
+                <a:solidFill>
+                  <a:schemeClr val="accent1">
+                    <a:shade val="50000"/>
+                  </a:schemeClr>
+                </a:solidFill>
+                <a:prstDash val="solid"/>
+                <a:miter lim="800000"/>
+              </a14:hiddenLine>
+            </a:ext>
+          </a:extLst>
+        </p:spPr>
+        <p:style>
+          <a:lnRef idx="2">
+            <a:schemeClr val="accent1">
+              <a:shade val="50000"/>
+            </a:schemeClr>
+          </a:lnRef>
+          <a:fillRef idx="1">
+            <a:schemeClr val="accent1"/>
+          </a:fillRef>
+          <a:effectRef idx="0">
+            <a:schemeClr val="accent1"/>
+          </a:effectRef>
+          <a:fontRef idx="minor">
+            <a:schemeClr val="lt1"/>
+          </a:fontRef>
+        </p:style>
+        <p:txBody>
+          <a:bodyPr rtlCol="0" anchor="ctr"/>
+          <a:lstStyle/>
+          <a:p>
+            <a:pPr algn="ctr"/>
+            <a:endParaRPr lang="en-US" sz="2000"/>
+          </a:p>
+        </p:txBody>
+      </p:sp>
+      <p:sp>
+        <p:nvSpPr>
+          <p:cNvPr id="23" name="Rectangle 22">
+            <a:extLst>
+              <a:ext uri="{FF2B5EF4-FFF2-40B4-BE49-F238E27FC236}">
+                <a16:creationId xmlns:a16="http://schemas.microsoft.com/office/drawing/2014/main" id="{D22C7394-9243-E384-E11B-AF75ACFB261F}"/>
+              </a:ext>
+              <a:ext uri="{C183D7F6-B498-43B3-948B-1728B52AA6E4}">
+                <adec:decorative xmlns:adec="http://schemas.microsoft.com/office/drawing/2017/decorative" val="1"/>
+              </a:ext>
+            </a:extLst>
+          </p:cNvPr>
+          <p:cNvSpPr>
+            <a:spLocks noGrp="1" noRot="1" noChangeAspect="1" noMove="1" noResize="1" noEditPoints="1" noAdjustHandles="1" noChangeArrowheads="1" noChangeShapeType="1" noTextEdit="1"/>
+          </p:cNvSpPr>
+          <p:nvPr>
+            <p:extLst>
+              <p:ext uri="{386F3935-93C4-4BCD-93E2-E3B085C9AB24}">
+                <p16:designElem xmlns:p16="http://schemas.microsoft.com/office/powerpoint/2015/main" val="1"/>
+              </p:ext>
+            </p:extLst>
+          </p:nvPr>
+        </p:nvSpPr>
+        <p:spPr>
+          <a:xfrm flipH="1">
+            <a:off x="2" y="492"/>
+            <a:ext cx="12191998" cy="1575955"/>
+          </a:xfrm>
+          <a:prstGeom prst="rect">
+            <a:avLst/>
+          </a:prstGeom>
+          <a:gradFill>
+            <a:gsLst>
+              <a:gs pos="0">
+                <a:schemeClr val="accent1">
+                  <a:lumMod val="50000"/>
+                </a:schemeClr>
+              </a:gs>
+              <a:gs pos="100000">
+                <a:schemeClr val="accent1">
+                  <a:lumMod val="75000"/>
+                </a:schemeClr>
+              </a:gs>
+            </a:gsLst>
+            <a:lin ang="8400000" scaled="0"/>
+          </a:gradFill>
+          <a:ln>
+            <a:noFill/>
+          </a:ln>
+        </p:spPr>
+        <p:style>
+          <a:lnRef idx="2">
+            <a:schemeClr val="accent1">
+              <a:shade val="50000"/>
+            </a:schemeClr>
+          </a:lnRef>
+          <a:fillRef idx="1">
+            <a:schemeClr val="accent1"/>
+          </a:fillRef>
+          <a:effectRef idx="0">
+            <a:schemeClr val="accent1"/>
+          </a:effectRef>
+          <a:fontRef idx="minor">
+            <a:schemeClr val="lt1"/>
+          </a:fontRef>
+        </p:style>
+        <p:txBody>
+          <a:bodyPr rtlCol="0" anchor="ctr"/>
+          <a:lstStyle/>
+          <a:p>
+            <a:pPr algn="ctr"/>
+            <a:endParaRPr lang="en-US"/>
+          </a:p>
+        </p:txBody>
+      </p:sp>
+      <p:sp>
+        <p:nvSpPr>
+          <p:cNvPr id="24" name="Rectangle 23">
+            <a:extLst>
+              <a:ext uri="{FF2B5EF4-FFF2-40B4-BE49-F238E27FC236}">
+                <a16:creationId xmlns:a16="http://schemas.microsoft.com/office/drawing/2014/main" id="{A5EA6A8F-751D-CB2B-3AE0-F0E70388C4BD}"/>
+              </a:ext>
+              <a:ext uri="{C183D7F6-B498-43B3-948B-1728B52AA6E4}">
+                <adec:decorative xmlns:adec="http://schemas.microsoft.com/office/drawing/2017/decorative" val="1"/>
+              </a:ext>
+            </a:extLst>
+          </p:cNvPr>
+          <p:cNvSpPr>
+            <a:spLocks noGrp="1" noRot="1" noChangeAspect="1" noMove="1" noResize="1" noEditPoints="1" noAdjustHandles="1" noChangeArrowheads="1" noChangeShapeType="1" noTextEdit="1"/>
+          </p:cNvSpPr>
+          <p:nvPr>
+            <p:extLst>
+              <p:ext uri="{386F3935-93C4-4BCD-93E2-E3B085C9AB24}">
+                <p16:designElem xmlns:p16="http://schemas.microsoft.com/office/powerpoint/2015/main" val="1"/>
+              </p:ext>
+            </p:extLst>
+          </p:nvPr>
+        </p:nvSpPr>
+        <p:spPr>
+          <a:xfrm rot="10800000" flipH="1">
+            <a:off x="8128857" y="35"/>
+            <a:ext cx="4063143" cy="1576412"/>
+          </a:xfrm>
+          <a:prstGeom prst="rect">
+            <a:avLst/>
+          </a:prstGeom>
+          <a:gradFill>
+            <a:gsLst>
+              <a:gs pos="19000">
+                <a:schemeClr val="accent1">
+                  <a:lumMod val="50000"/>
+                  <a:alpha val="68000"/>
+                </a:schemeClr>
+              </a:gs>
+              <a:gs pos="100000">
+                <a:schemeClr val="accent1">
+                  <a:alpha val="79000"/>
+                </a:schemeClr>
+              </a:gs>
+            </a:gsLst>
+            <a:lin ang="19200000" scaled="0"/>
+          </a:gradFill>
+          <a:ln>
+            <a:noFill/>
+          </a:ln>
+        </p:spPr>
+        <p:style>
+          <a:lnRef idx="2">
+            <a:schemeClr val="accent1">
+              <a:shade val="50000"/>
+            </a:schemeClr>
+          </a:lnRef>
+          <a:fillRef idx="1">
+            <a:schemeClr val="accent1"/>
+          </a:fillRef>
+          <a:effectRef idx="0">
+            <a:schemeClr val="accent1"/>
+          </a:effectRef>
+          <a:fontRef idx="minor">
+            <a:schemeClr val="lt1"/>
+          </a:fontRef>
+        </p:style>
+        <p:txBody>
+          <a:bodyPr rtlCol="0" anchor="ctr"/>
+          <a:lstStyle/>
+          <a:p>
+            <a:pPr algn="ctr"/>
+            <a:endParaRPr lang="en-US"/>
+          </a:p>
+        </p:txBody>
+      </p:sp>
+      <p:sp>
+        <p:nvSpPr>
+          <p:cNvPr id="20" name="Rectangle 19">
+            <a:extLst>
+              <a:ext uri="{FF2B5EF4-FFF2-40B4-BE49-F238E27FC236}">
+                <a16:creationId xmlns:a16="http://schemas.microsoft.com/office/drawing/2014/main" id="{491EC6A7-4F15-D4EC-8766-B1BCFDE2038E}"/>
+              </a:ext>
+              <a:ext uri="{C183D7F6-B498-43B3-948B-1728B52AA6E4}">
+                <adec:decorative xmlns:adec="http://schemas.microsoft.com/office/drawing/2017/decorative" val="1"/>
+              </a:ext>
+            </a:extLst>
+          </p:cNvPr>
+          <p:cNvSpPr>
+            <a:spLocks noGrp="1" noRot="1" noChangeAspect="1" noMove="1" noResize="1" noEditPoints="1" noAdjustHandles="1" noChangeArrowheads="1" noChangeShapeType="1" noTextEdit="1"/>
+          </p:cNvSpPr>
+          <p:nvPr>
+            <p:extLst>
+              <p:ext uri="{386F3935-93C4-4BCD-93E2-E3B085C9AB24}">
+                <p16:designElem xmlns:p16="http://schemas.microsoft.com/office/powerpoint/2015/main" val="1"/>
+              </p:ext>
+            </p:extLst>
+          </p:nvPr>
+        </p:nvSpPr>
+        <p:spPr>
+          <a:xfrm rot="5400000">
+            <a:off x="5307778" y="-5307777"/>
+            <a:ext cx="1576446" cy="12192001"/>
+          </a:xfrm>
+          <a:prstGeom prst="rect">
+            <a:avLst/>
+          </a:prstGeom>
+          <a:gradFill>
+            <a:gsLst>
+              <a:gs pos="16000">
+                <a:srgbClr val="000000">
+                  <a:alpha val="0"/>
+                </a:srgbClr>
+              </a:gs>
+              <a:gs pos="99000">
+                <a:srgbClr val="000000">
+                  <a:alpha val="87000"/>
+                </a:srgbClr>
+              </a:gs>
+            </a:gsLst>
+            <a:lin ang="11400000" scaled="0"/>
+          </a:gradFill>
+          <a:ln>
+            <a:noFill/>
+          </a:ln>
+        </p:spPr>
+        <p:style>
+          <a:lnRef idx="2">
+            <a:schemeClr val="accent1">
+              <a:shade val="50000"/>
+            </a:schemeClr>
+          </a:lnRef>
+          <a:fillRef idx="1">
+            <a:schemeClr val="accent1"/>
+          </a:fillRef>
+          <a:effectRef idx="0">
+            <a:schemeClr val="accent1"/>
+          </a:effectRef>
+          <a:fontRef idx="minor">
+            <a:schemeClr val="lt1"/>
+          </a:fontRef>
+        </p:style>
+        <p:txBody>
+          <a:bodyPr rtlCol="0" anchor="ctr"/>
+          <a:lstStyle/>
+          <a:p>
+            <a:pPr algn="ctr"/>
+            <a:endParaRPr lang="en-US" dirty="0"/>
+          </a:p>
+        </p:txBody>
+      </p:sp>
+      <p:sp>
+        <p:nvSpPr>
+          <p:cNvPr id="22" name="Rectangle 21">
+            <a:extLst>
+              <a:ext uri="{FF2B5EF4-FFF2-40B4-BE49-F238E27FC236}">
+                <a16:creationId xmlns:a16="http://schemas.microsoft.com/office/drawing/2014/main" id="{F89A0FB6-D3AD-2196-9C0B-7DCD24A6193E}"/>
+              </a:ext>
+              <a:ext uri="{C183D7F6-B498-43B3-948B-1728B52AA6E4}">
+                <adec:decorative xmlns:adec="http://schemas.microsoft.com/office/drawing/2017/decorative" val="1"/>
+              </a:ext>
+            </a:extLst>
+          </p:cNvPr>
+          <p:cNvSpPr>
+            <a:spLocks noGrp="1" noRot="1" noChangeAspect="1" noMove="1" noResize="1" noEditPoints="1" noAdjustHandles="1" noChangeArrowheads="1" noChangeShapeType="1" noTextEdit="1"/>
+          </p:cNvSpPr>
+          <p:nvPr>
+            <p:extLst>
+              <p:ext uri="{386F3935-93C4-4BCD-93E2-E3B085C9AB24}">
+                <p16:designElem xmlns:p16="http://schemas.microsoft.com/office/powerpoint/2015/main" val="1"/>
+              </p:ext>
+            </p:extLst>
+          </p:nvPr>
+        </p:nvSpPr>
+        <p:spPr>
+          <a:xfrm>
+            <a:off x="3825434" y="986"/>
+            <a:ext cx="4303422" cy="1575461"/>
+          </a:xfrm>
+          <a:prstGeom prst="rect">
+            <a:avLst/>
+          </a:prstGeom>
+          <a:gradFill>
+            <a:gsLst>
+              <a:gs pos="0">
+                <a:schemeClr val="accent1">
+                  <a:alpha val="17000"/>
+                </a:schemeClr>
+              </a:gs>
+              <a:gs pos="74000">
+                <a:schemeClr val="accent1">
+                  <a:lumMod val="50000"/>
+                  <a:alpha val="0"/>
+                </a:schemeClr>
+              </a:gs>
+            </a:gsLst>
+            <a:lin ang="14400000" scaled="0"/>
+          </a:gradFill>
+          <a:ln>
+            <a:noFill/>
+          </a:ln>
+        </p:spPr>
+        <p:style>
+          <a:lnRef idx="2">
+            <a:schemeClr val="accent1">
+              <a:shade val="50000"/>
+            </a:schemeClr>
+          </a:lnRef>
+          <a:fillRef idx="1">
+            <a:schemeClr val="accent1"/>
+          </a:fillRef>
+          <a:effectRef idx="0">
+            <a:schemeClr val="accent1"/>
+          </a:effectRef>
+          <a:fontRef idx="minor">
+            <a:schemeClr val="lt1"/>
+          </a:fontRef>
+        </p:style>
+        <p:txBody>
+          <a:bodyPr rtlCol="0" anchor="ctr"/>
+          <a:lstStyle/>
+          <a:p>
+            <a:pPr algn="ctr"/>
+            <a:endParaRPr lang="en-US"/>
+          </a:p>
+        </p:txBody>
+      </p:sp>
+      <p:sp>
+        <p:nvSpPr>
+          <p:cNvPr id="9" name="Title 1">
+            <a:extLst>
+              <a:ext uri="{FF2B5EF4-FFF2-40B4-BE49-F238E27FC236}">
+                <a16:creationId xmlns:a16="http://schemas.microsoft.com/office/drawing/2014/main" id="{E5F14677-F0D8-9FE6-7AA8-535E7BF9E218}"/>
+              </a:ext>
+            </a:extLst>
+          </p:cNvPr>
+          <p:cNvSpPr>
+            <a:spLocks noGrp="1"/>
+          </p:cNvSpPr>
+          <p:nvPr>
+            <p:ph type="title"/>
+          </p:nvPr>
+        </p:nvSpPr>
+        <p:spPr>
+          <a:xfrm>
+            <a:off x="699714" y="353160"/>
+            <a:ext cx="7091300" cy="898581"/>
+          </a:xfrm>
+        </p:spPr>
+        <p:txBody>
+          <a:bodyPr vert="horz" lIns="91440" tIns="45720" rIns="91440" bIns="45720" rtlCol="0" anchor="ctr">
+            <a:normAutofit/>
+          </a:bodyPr>
+          <a:lstStyle/>
+          <a:p>
+            <a:r>
+              <a:rPr lang="en-US" sz="4000" dirty="0">
+                <a:solidFill>
+                  <a:srgbClr val="FFFFFF"/>
+                </a:solidFill>
+              </a:rPr>
+              <a:t>Customer 5555 (Kit)</a:t>
+            </a:r>
+          </a:p>
+        </p:txBody>
+      </p:sp>
+      <p:sp>
+        <p:nvSpPr>
+          <p:cNvPr id="6" name="TextBox 5">
+            <a:extLst>
+              <a:ext uri="{FF2B5EF4-FFF2-40B4-BE49-F238E27FC236}">
+                <a16:creationId xmlns:a16="http://schemas.microsoft.com/office/drawing/2014/main" id="{F0486F3D-C051-B854-49EF-92850A5709FC}"/>
+              </a:ext>
+            </a:extLst>
+          </p:cNvPr>
+          <p:cNvSpPr txBox="1"/>
+          <p:nvPr/>
+        </p:nvSpPr>
+        <p:spPr>
+          <a:xfrm>
+            <a:off x="3050287" y="5546320"/>
+            <a:ext cx="6094476" cy="830997"/>
+          </a:xfrm>
+          <a:prstGeom prst="rect">
+            <a:avLst/>
+          </a:prstGeom>
+          <a:noFill/>
+        </p:spPr>
+        <p:txBody>
+          <a:bodyPr wrap="square">
+            <a:spAutoFit/>
+          </a:bodyPr>
+          <a:lstStyle/>
+          <a:p>
+            <a:r>
+              <a:rPr lang="en-SG" sz="1200" dirty="0"/>
+              <a:t>Comments: The very low credit score combined with a delinquent account places the borrower in the </a:t>
+            </a:r>
+            <a:r>
+              <a:rPr lang="en-SG" sz="1200" b="1" dirty="0"/>
+              <a:t>High</a:t>
+            </a:r>
+            <a:r>
+              <a:rPr lang="en-SG" sz="1200" dirty="0"/>
+              <a:t> risk category. The “reject non‑Singaporean + non‑PR” rule does not apply (the applicant is Singaporean), but the high‑risk rating triggers a rejection under the bank’s underwriting standards.</a:t>
+            </a:r>
+          </a:p>
+        </p:txBody>
+      </p:sp>
+      <p:pic>
+        <p:nvPicPr>
+          <p:cNvPr id="4" name="Picture 3">
+            <a:extLst>
+              <a:ext uri="{FF2B5EF4-FFF2-40B4-BE49-F238E27FC236}">
+                <a16:creationId xmlns:a16="http://schemas.microsoft.com/office/drawing/2014/main" id="{50F9AACA-D53F-C3E2-8974-EF8EBACF8810}"/>
+              </a:ext>
+            </a:extLst>
+          </p:cNvPr>
+          <p:cNvPicPr>
+            <a:picLocks noChangeAspect="1"/>
+          </p:cNvPicPr>
+          <p:nvPr/>
+        </p:nvPicPr>
+        <p:blipFill>
+          <a:blip r:embed="rId3"/>
+          <a:stretch>
+            <a:fillRect/>
+          </a:stretch>
+        </p:blipFill>
+        <p:spPr>
+          <a:xfrm>
+            <a:off x="0" y="975003"/>
+            <a:ext cx="12192000" cy="577215"/>
+          </a:xfrm>
+          <a:prstGeom prst="rect">
+            <a:avLst/>
+          </a:prstGeom>
+        </p:spPr>
+      </p:pic>
+      <p:pic>
+        <p:nvPicPr>
+          <p:cNvPr id="5" name="Picture 4">
+            <a:extLst>
+              <a:ext uri="{FF2B5EF4-FFF2-40B4-BE49-F238E27FC236}">
+                <a16:creationId xmlns:a16="http://schemas.microsoft.com/office/drawing/2014/main" id="{74BEDD85-BD6B-F3F5-C093-8B2558CD6000}"/>
+              </a:ext>
+            </a:extLst>
+          </p:cNvPr>
+          <p:cNvPicPr>
+            <a:picLocks noChangeAspect="1"/>
+          </p:cNvPicPr>
+          <p:nvPr/>
+        </p:nvPicPr>
+        <p:blipFill>
+          <a:blip r:embed="rId4"/>
+          <a:stretch>
+            <a:fillRect/>
+          </a:stretch>
+        </p:blipFill>
+        <p:spPr>
+          <a:xfrm>
+            <a:off x="1719072" y="1754885"/>
+            <a:ext cx="8578516" cy="3631320"/>
+          </a:xfrm>
+          <a:prstGeom prst="rect">
+            <a:avLst/>
+          </a:prstGeom>
+        </p:spPr>
+      </p:pic>
+    </p:spTree>
+    <p:custDataLst>
+      <p:tags r:id="rId1"/>
+    </p:custDataLst>
+    <p:extLst>
+      <p:ext uri="{BB962C8B-B14F-4D97-AF65-F5344CB8AC3E}">
+        <p14:creationId xmlns:p14="http://schemas.microsoft.com/office/powerpoint/2010/main" val="1804399586"/>
+      </p:ext>
+    </p:extLst>
+  </p:cSld>
+  <p:clrMapOvr>
+    <a:masterClrMapping/>
+  </p:clrMapOvr>
+</p:sld>
+</file>
+
+<file path=ppt/slides/slide24.xml><?xml version="1.0" encoding="utf-8"?>
+<p:sld xmlns:a="http://schemas.openxmlformats.org/drawingml/2006/main" xmlns:r="http://schemas.openxmlformats.org/officeDocument/2006/relationships" xmlns:p="http://schemas.openxmlformats.org/presentationml/2006/main">
+  <p:cSld>
+    <p:bg>
+      <p:bgPr>
+        <a:solidFill>
+          <a:schemeClr val="bg1"/>
+        </a:solidFill>
+        <a:effectLst/>
+      </p:bgPr>
+    </p:bg>
+    <p:spTree>
+      <p:nvGrpSpPr>
+        <p:cNvPr id="1" name="">
+          <a:extLst>
+            <a:ext uri="{FF2B5EF4-FFF2-40B4-BE49-F238E27FC236}">
+              <a16:creationId xmlns:a16="http://schemas.microsoft.com/office/drawing/2014/main" id="{15C88092-A315-6EAA-E878-1D7699D458E0}"/>
+            </a:ext>
+          </a:extLst>
+        </p:cNvPr>
+        <p:cNvGrpSpPr/>
+        <p:nvPr/>
+      </p:nvGrpSpPr>
+      <p:grpSpPr>
+        <a:xfrm>
+          <a:off x="0" y="0"/>
+          <a:ext cx="0" cy="0"/>
+          <a:chOff x="0" y="0"/>
+          <a:chExt cx="0" cy="0"/>
+        </a:xfrm>
+      </p:grpSpPr>
+      <p:sp useBgFill="1">
+        <p:nvSpPr>
+          <p:cNvPr id="21" name="Rectangle 20">
+            <a:extLst>
+              <a:ext uri="{FF2B5EF4-FFF2-40B4-BE49-F238E27FC236}">
+                <a16:creationId xmlns:a16="http://schemas.microsoft.com/office/drawing/2014/main" id="{CB696620-2D06-36BD-BEEC-79C2BBA91EF8}"/>
+              </a:ext>
+              <a:ext uri="{C183D7F6-B498-43B3-948B-1728B52AA6E4}">
+                <adec:decorative xmlns:adec="http://schemas.microsoft.com/office/drawing/2017/decorative" val="1"/>
+              </a:ext>
+            </a:extLst>
+          </p:cNvPr>
+          <p:cNvSpPr>
+            <a:spLocks noGrp="1" noRot="1" noChangeAspect="1" noMove="1" noResize="1" noEditPoints="1" noAdjustHandles="1" noChangeArrowheads="1" noChangeShapeType="1" noTextEdit="1"/>
+          </p:cNvSpPr>
+          <p:nvPr>
+            <p:extLst>
+              <p:ext uri="{386F3935-93C4-4BCD-93E2-E3B085C9AB24}">
+                <p16:designElem xmlns:p16="http://schemas.microsoft.com/office/powerpoint/2015/main" val="1"/>
+              </p:ext>
+            </p:extLst>
+          </p:nvPr>
+        </p:nvSpPr>
+        <p:spPr>
+          <a:xfrm>
+            <a:off x="0" y="0"/>
+            <a:ext cx="12192000" cy="6858000"/>
+          </a:xfrm>
+          <a:prstGeom prst="rect">
+            <a:avLst/>
+          </a:prstGeom>
+          <a:ln w="12700" cap="flat" cmpd="sng" algn="ctr">
+            <a:noFill/>
+            <a:prstDash val="solid"/>
+            <a:miter lim="800000"/>
+          </a:ln>
+          <a:effectLst/>
+          <a:extLst>
+            <a:ext uri="{91240B29-F687-4F45-9708-019B960494DF}">
+              <a14:hiddenLine xmlns:a14="http://schemas.microsoft.com/office/drawing/2010/main" w="12700" cap="flat" cmpd="sng" algn="ctr">
+                <a:solidFill>
+                  <a:schemeClr val="accent1">
+                    <a:shade val="50000"/>
+                  </a:schemeClr>
+                </a:solidFill>
+                <a:prstDash val="solid"/>
+                <a:miter lim="800000"/>
+              </a14:hiddenLine>
+            </a:ext>
+          </a:extLst>
+        </p:spPr>
+        <p:style>
+          <a:lnRef idx="2">
+            <a:schemeClr val="accent1">
+              <a:shade val="50000"/>
+            </a:schemeClr>
+          </a:lnRef>
+          <a:fillRef idx="1">
+            <a:schemeClr val="accent1"/>
+          </a:fillRef>
+          <a:effectRef idx="0">
+            <a:schemeClr val="accent1"/>
+          </a:effectRef>
+          <a:fontRef idx="minor">
+            <a:schemeClr val="lt1"/>
+          </a:fontRef>
+        </p:style>
+        <p:txBody>
+          <a:bodyPr rtlCol="0" anchor="ctr"/>
+          <a:lstStyle/>
+          <a:p>
+            <a:pPr algn="ctr"/>
+            <a:endParaRPr lang="en-US" sz="2000"/>
+          </a:p>
+        </p:txBody>
+      </p:sp>
+      <p:sp>
+        <p:nvSpPr>
+          <p:cNvPr id="23" name="Rectangle 22">
+            <a:extLst>
+              <a:ext uri="{FF2B5EF4-FFF2-40B4-BE49-F238E27FC236}">
+                <a16:creationId xmlns:a16="http://schemas.microsoft.com/office/drawing/2014/main" id="{58290BE1-3B29-7575-D721-6D2874940874}"/>
+              </a:ext>
+              <a:ext uri="{C183D7F6-B498-43B3-948B-1728B52AA6E4}">
+                <adec:decorative xmlns:adec="http://schemas.microsoft.com/office/drawing/2017/decorative" val="1"/>
+              </a:ext>
+            </a:extLst>
+          </p:cNvPr>
+          <p:cNvSpPr>
+            <a:spLocks noGrp="1" noRot="1" noChangeAspect="1" noMove="1" noResize="1" noEditPoints="1" noAdjustHandles="1" noChangeArrowheads="1" noChangeShapeType="1" noTextEdit="1"/>
+          </p:cNvSpPr>
+          <p:nvPr>
+            <p:extLst>
+              <p:ext uri="{386F3935-93C4-4BCD-93E2-E3B085C9AB24}">
+                <p16:designElem xmlns:p16="http://schemas.microsoft.com/office/powerpoint/2015/main" val="1"/>
+              </p:ext>
+            </p:extLst>
+          </p:nvPr>
+        </p:nvSpPr>
+        <p:spPr>
+          <a:xfrm flipH="1">
+            <a:off x="2" y="492"/>
+            <a:ext cx="12191998" cy="1575955"/>
+          </a:xfrm>
+          <a:prstGeom prst="rect">
+            <a:avLst/>
+          </a:prstGeom>
+          <a:gradFill>
+            <a:gsLst>
+              <a:gs pos="0">
+                <a:schemeClr val="accent1">
+                  <a:lumMod val="50000"/>
+                </a:schemeClr>
+              </a:gs>
+              <a:gs pos="100000">
+                <a:schemeClr val="accent1">
+                  <a:lumMod val="75000"/>
+                </a:schemeClr>
+              </a:gs>
+            </a:gsLst>
+            <a:lin ang="8400000" scaled="0"/>
+          </a:gradFill>
+          <a:ln>
+            <a:noFill/>
+          </a:ln>
+        </p:spPr>
+        <p:style>
+          <a:lnRef idx="2">
+            <a:schemeClr val="accent1">
+              <a:shade val="50000"/>
+            </a:schemeClr>
+          </a:lnRef>
+          <a:fillRef idx="1">
+            <a:schemeClr val="accent1"/>
+          </a:fillRef>
+          <a:effectRef idx="0">
+            <a:schemeClr val="accent1"/>
+          </a:effectRef>
+          <a:fontRef idx="minor">
+            <a:schemeClr val="lt1"/>
+          </a:fontRef>
+        </p:style>
+        <p:txBody>
+          <a:bodyPr rtlCol="0" anchor="ctr"/>
+          <a:lstStyle/>
+          <a:p>
+            <a:pPr algn="ctr"/>
+            <a:endParaRPr lang="en-US"/>
+          </a:p>
+        </p:txBody>
+      </p:sp>
+      <p:sp>
+        <p:nvSpPr>
+          <p:cNvPr id="24" name="Rectangle 23">
+            <a:extLst>
+              <a:ext uri="{FF2B5EF4-FFF2-40B4-BE49-F238E27FC236}">
+                <a16:creationId xmlns:a16="http://schemas.microsoft.com/office/drawing/2014/main" id="{E71E9470-A194-D3A7-EA5B-793D83A435C9}"/>
+              </a:ext>
+              <a:ext uri="{C183D7F6-B498-43B3-948B-1728B52AA6E4}">
+                <adec:decorative xmlns:adec="http://schemas.microsoft.com/office/drawing/2017/decorative" val="1"/>
+              </a:ext>
+            </a:extLst>
+          </p:cNvPr>
+          <p:cNvSpPr>
+            <a:spLocks noGrp="1" noRot="1" noChangeAspect="1" noMove="1" noResize="1" noEditPoints="1" noAdjustHandles="1" noChangeArrowheads="1" noChangeShapeType="1" noTextEdit="1"/>
+          </p:cNvSpPr>
+          <p:nvPr>
+            <p:extLst>
+              <p:ext uri="{386F3935-93C4-4BCD-93E2-E3B085C9AB24}">
+                <p16:designElem xmlns:p16="http://schemas.microsoft.com/office/powerpoint/2015/main" val="1"/>
+              </p:ext>
+            </p:extLst>
+          </p:nvPr>
+        </p:nvSpPr>
+        <p:spPr>
+          <a:xfrm rot="10800000" flipH="1">
+            <a:off x="8128857" y="35"/>
+            <a:ext cx="4063143" cy="1576412"/>
+          </a:xfrm>
+          <a:prstGeom prst="rect">
+            <a:avLst/>
+          </a:prstGeom>
+          <a:gradFill>
+            <a:gsLst>
+              <a:gs pos="19000">
+                <a:schemeClr val="accent1">
+                  <a:lumMod val="50000"/>
+                  <a:alpha val="68000"/>
+                </a:schemeClr>
+              </a:gs>
+              <a:gs pos="100000">
+                <a:schemeClr val="accent1">
+                  <a:alpha val="79000"/>
+                </a:schemeClr>
+              </a:gs>
+            </a:gsLst>
+            <a:lin ang="19200000" scaled="0"/>
+          </a:gradFill>
+          <a:ln>
+            <a:noFill/>
+          </a:ln>
+        </p:spPr>
+        <p:style>
+          <a:lnRef idx="2">
+            <a:schemeClr val="accent1">
+              <a:shade val="50000"/>
+            </a:schemeClr>
+          </a:lnRef>
+          <a:fillRef idx="1">
+            <a:schemeClr val="accent1"/>
+          </a:fillRef>
+          <a:effectRef idx="0">
+            <a:schemeClr val="accent1"/>
+          </a:effectRef>
+          <a:fontRef idx="minor">
+            <a:schemeClr val="lt1"/>
+          </a:fontRef>
+        </p:style>
+        <p:txBody>
+          <a:bodyPr rtlCol="0" anchor="ctr"/>
+          <a:lstStyle/>
+          <a:p>
+            <a:pPr algn="ctr"/>
+            <a:endParaRPr lang="en-US"/>
+          </a:p>
+        </p:txBody>
+      </p:sp>
+      <p:sp>
+        <p:nvSpPr>
+          <p:cNvPr id="20" name="Rectangle 19">
+            <a:extLst>
+              <a:ext uri="{FF2B5EF4-FFF2-40B4-BE49-F238E27FC236}">
+                <a16:creationId xmlns:a16="http://schemas.microsoft.com/office/drawing/2014/main" id="{41061F5D-EEB7-AEA5-0640-F593059D652F}"/>
+              </a:ext>
+              <a:ext uri="{C183D7F6-B498-43B3-948B-1728B52AA6E4}">
+                <adec:decorative xmlns:adec="http://schemas.microsoft.com/office/drawing/2017/decorative" val="1"/>
+              </a:ext>
+            </a:extLst>
+          </p:cNvPr>
+          <p:cNvSpPr>
+            <a:spLocks noGrp="1" noRot="1" noChangeAspect="1" noMove="1" noResize="1" noEditPoints="1" noAdjustHandles="1" noChangeArrowheads="1" noChangeShapeType="1" noTextEdit="1"/>
+          </p:cNvSpPr>
+          <p:nvPr>
+            <p:extLst>
+              <p:ext uri="{386F3935-93C4-4BCD-93E2-E3B085C9AB24}">
+                <p16:designElem xmlns:p16="http://schemas.microsoft.com/office/powerpoint/2015/main" val="1"/>
+              </p:ext>
+            </p:extLst>
+          </p:nvPr>
+        </p:nvSpPr>
+        <p:spPr>
+          <a:xfrm rot="5400000">
+            <a:off x="5307778" y="-5307777"/>
+            <a:ext cx="1576446" cy="12192001"/>
+          </a:xfrm>
+          <a:prstGeom prst="rect">
+            <a:avLst/>
+          </a:prstGeom>
+          <a:gradFill>
+            <a:gsLst>
+              <a:gs pos="16000">
+                <a:srgbClr val="000000">
+                  <a:alpha val="0"/>
+                </a:srgbClr>
+              </a:gs>
+              <a:gs pos="99000">
+                <a:srgbClr val="000000">
+                  <a:alpha val="87000"/>
+                </a:srgbClr>
+              </a:gs>
+            </a:gsLst>
+            <a:lin ang="11400000" scaled="0"/>
+          </a:gradFill>
+          <a:ln>
+            <a:noFill/>
+          </a:ln>
+        </p:spPr>
+        <p:style>
+          <a:lnRef idx="2">
+            <a:schemeClr val="accent1">
+              <a:shade val="50000"/>
+            </a:schemeClr>
+          </a:lnRef>
+          <a:fillRef idx="1">
+            <a:schemeClr val="accent1"/>
+          </a:fillRef>
+          <a:effectRef idx="0">
+            <a:schemeClr val="accent1"/>
+          </a:effectRef>
+          <a:fontRef idx="minor">
+            <a:schemeClr val="lt1"/>
+          </a:fontRef>
+        </p:style>
+        <p:txBody>
+          <a:bodyPr rtlCol="0" anchor="ctr"/>
+          <a:lstStyle/>
+          <a:p>
+            <a:pPr algn="ctr"/>
+            <a:endParaRPr lang="en-US" dirty="0"/>
+          </a:p>
+        </p:txBody>
+      </p:sp>
+      <p:sp>
+        <p:nvSpPr>
+          <p:cNvPr id="22" name="Rectangle 21">
+            <a:extLst>
+              <a:ext uri="{FF2B5EF4-FFF2-40B4-BE49-F238E27FC236}">
+                <a16:creationId xmlns:a16="http://schemas.microsoft.com/office/drawing/2014/main" id="{631C3A5C-EEC6-9072-23BA-F9E4A6772AD9}"/>
+              </a:ext>
+              <a:ext uri="{C183D7F6-B498-43B3-948B-1728B52AA6E4}">
+                <adec:decorative xmlns:adec="http://schemas.microsoft.com/office/drawing/2017/decorative" val="1"/>
+              </a:ext>
+            </a:extLst>
+          </p:cNvPr>
+          <p:cNvSpPr>
+            <a:spLocks noGrp="1" noRot="1" noChangeAspect="1" noMove="1" noResize="1" noEditPoints="1" noAdjustHandles="1" noChangeArrowheads="1" noChangeShapeType="1" noTextEdit="1"/>
+          </p:cNvSpPr>
+          <p:nvPr>
+            <p:extLst>
+              <p:ext uri="{386F3935-93C4-4BCD-93E2-E3B085C9AB24}">
+                <p16:designElem xmlns:p16="http://schemas.microsoft.com/office/powerpoint/2015/main" val="1"/>
+              </p:ext>
+            </p:extLst>
+          </p:nvPr>
+        </p:nvSpPr>
+        <p:spPr>
+          <a:xfrm>
+            <a:off x="3825434" y="986"/>
+            <a:ext cx="4303422" cy="1575461"/>
+          </a:xfrm>
+          <a:prstGeom prst="rect">
+            <a:avLst/>
+          </a:prstGeom>
+          <a:gradFill>
+            <a:gsLst>
+              <a:gs pos="0">
+                <a:schemeClr val="accent1">
+                  <a:alpha val="17000"/>
+                </a:schemeClr>
+              </a:gs>
+              <a:gs pos="74000">
+                <a:schemeClr val="accent1">
+                  <a:lumMod val="50000"/>
+                  <a:alpha val="0"/>
+                </a:schemeClr>
+              </a:gs>
+            </a:gsLst>
+            <a:lin ang="14400000" scaled="0"/>
+          </a:gradFill>
+          <a:ln>
+            <a:noFill/>
+          </a:ln>
+        </p:spPr>
+        <p:style>
+          <a:lnRef idx="2">
+            <a:schemeClr val="accent1">
+              <a:shade val="50000"/>
+            </a:schemeClr>
+          </a:lnRef>
+          <a:fillRef idx="1">
+            <a:schemeClr val="accent1"/>
+          </a:fillRef>
+          <a:effectRef idx="0">
+            <a:schemeClr val="accent1"/>
+          </a:effectRef>
+          <a:fontRef idx="minor">
+            <a:schemeClr val="lt1"/>
+          </a:fontRef>
+        </p:style>
+        <p:txBody>
+          <a:bodyPr rtlCol="0" anchor="ctr"/>
+          <a:lstStyle/>
+          <a:p>
+            <a:pPr algn="ctr"/>
+            <a:endParaRPr lang="en-US"/>
+          </a:p>
+        </p:txBody>
+      </p:sp>
+      <p:sp>
+        <p:nvSpPr>
+          <p:cNvPr id="9" name="Title 1">
+            <a:extLst>
+              <a:ext uri="{FF2B5EF4-FFF2-40B4-BE49-F238E27FC236}">
+                <a16:creationId xmlns:a16="http://schemas.microsoft.com/office/drawing/2014/main" id="{BA29D151-66E0-994B-FEB1-B182F8061EE2}"/>
+              </a:ext>
+            </a:extLst>
+          </p:cNvPr>
+          <p:cNvSpPr>
+            <a:spLocks noGrp="1"/>
+          </p:cNvSpPr>
+          <p:nvPr>
+            <p:ph type="title"/>
+          </p:nvPr>
+        </p:nvSpPr>
+        <p:spPr>
+          <a:xfrm>
+            <a:off x="699714" y="353160"/>
+            <a:ext cx="10053630" cy="898581"/>
+          </a:xfrm>
+        </p:spPr>
+        <p:txBody>
+          <a:bodyPr vert="horz" lIns="91440" tIns="45720" rIns="91440" bIns="45720" rtlCol="0" anchor="ctr">
+            <a:normAutofit/>
+          </a:bodyPr>
+          <a:lstStyle/>
+          <a:p>
+            <a:r>
+              <a:rPr lang="en-US" sz="4000" dirty="0">
+                <a:solidFill>
+                  <a:srgbClr val="FFFFFF"/>
+                </a:solidFill>
+              </a:rPr>
+              <a:t>Customer 9999 (Non-Existence Customer)</a:t>
+            </a:r>
+          </a:p>
+        </p:txBody>
+      </p:sp>
+      <p:sp>
+        <p:nvSpPr>
+          <p:cNvPr id="6" name="TextBox 5">
+            <a:extLst>
+              <a:ext uri="{FF2B5EF4-FFF2-40B4-BE49-F238E27FC236}">
+                <a16:creationId xmlns:a16="http://schemas.microsoft.com/office/drawing/2014/main" id="{76FB14B8-F023-374B-5FF9-EFCFC7970542}"/>
+              </a:ext>
+            </a:extLst>
+          </p:cNvPr>
+          <p:cNvSpPr txBox="1"/>
+          <p:nvPr/>
+        </p:nvSpPr>
+        <p:spPr>
+          <a:xfrm>
+            <a:off x="3608071" y="5618476"/>
+            <a:ext cx="6094476" cy="1015663"/>
+          </a:xfrm>
+          <a:prstGeom prst="rect">
+            <a:avLst/>
+          </a:prstGeom>
+          <a:noFill/>
+        </p:spPr>
+        <p:txBody>
+          <a:bodyPr wrap="square">
+            <a:spAutoFit/>
+          </a:bodyPr>
+          <a:lstStyle/>
+          <a:p>
+            <a:r>
+              <a:rPr lang="en-SG" sz="1200" dirty="0"/>
+              <a:t>Comments: The loan‑risk model cannot compute a risk rating or appropriate interest rate without a credit score, account status, and confirmed nationality. Because the applicant does </a:t>
+            </a:r>
+            <a:r>
+              <a:rPr lang="en-SG" sz="1200" b="1" dirty="0"/>
+              <a:t>not</a:t>
+            </a:r>
+            <a:r>
+              <a:rPr lang="en-SG" sz="1200" dirty="0"/>
+              <a:t> have PR status, the bank’s policy to </a:t>
+            </a:r>
+            <a:r>
+              <a:rPr lang="en-SG" sz="1200" i="1" dirty="0"/>
+              <a:t>reject any non‑Singaporean without PR</a:t>
+            </a:r>
+            <a:r>
+              <a:rPr lang="en-SG" sz="1200" dirty="0"/>
+              <a:t> would apply </a:t>
+            </a:r>
+            <a:r>
+              <a:rPr lang="en-SG" sz="1200" b="1" dirty="0"/>
+              <a:t>if</a:t>
+            </a:r>
+            <a:r>
+              <a:rPr lang="en-SG" sz="1200" dirty="0"/>
+              <a:t> the nationality is later confirmed as non‑Singaporean. Until the missing data are supplied, the application remains pending.</a:t>
+            </a:r>
+          </a:p>
+        </p:txBody>
+      </p:sp>
+      <p:pic>
+        <p:nvPicPr>
+          <p:cNvPr id="2" name="Picture 1">
+            <a:extLst>
+              <a:ext uri="{FF2B5EF4-FFF2-40B4-BE49-F238E27FC236}">
+                <a16:creationId xmlns:a16="http://schemas.microsoft.com/office/drawing/2014/main" id="{DE8CB408-4942-DF22-5FC9-CAAE84D3B0C8}"/>
+              </a:ext>
+            </a:extLst>
+          </p:cNvPr>
+          <p:cNvPicPr>
+            <a:picLocks noChangeAspect="1"/>
+          </p:cNvPicPr>
+          <p:nvPr/>
+        </p:nvPicPr>
+        <p:blipFill>
+          <a:blip r:embed="rId3"/>
+          <a:stretch>
+            <a:fillRect/>
+          </a:stretch>
+        </p:blipFill>
+        <p:spPr>
+          <a:xfrm>
+            <a:off x="-1" y="1093991"/>
+            <a:ext cx="12191997" cy="475615"/>
+          </a:xfrm>
+          <a:prstGeom prst="rect">
+            <a:avLst/>
+          </a:prstGeom>
+        </p:spPr>
+      </p:pic>
+      <p:pic>
+        <p:nvPicPr>
+          <p:cNvPr id="3" name="Picture 2">
+            <a:extLst>
+              <a:ext uri="{FF2B5EF4-FFF2-40B4-BE49-F238E27FC236}">
+                <a16:creationId xmlns:a16="http://schemas.microsoft.com/office/drawing/2014/main" id="{AC026739-2A3D-ED53-7335-99E80AEE8D9C}"/>
+              </a:ext>
+            </a:extLst>
+          </p:cNvPr>
+          <p:cNvPicPr>
+            <a:picLocks noChangeAspect="1"/>
+          </p:cNvPicPr>
+          <p:nvPr/>
+        </p:nvPicPr>
+        <p:blipFill>
+          <a:blip r:embed="rId4"/>
+          <a:stretch>
+            <a:fillRect/>
+          </a:stretch>
+        </p:blipFill>
+        <p:spPr>
+          <a:xfrm>
+            <a:off x="106045" y="1634403"/>
+            <a:ext cx="5731510" cy="3911917"/>
+          </a:xfrm>
+          <a:prstGeom prst="rect">
+            <a:avLst/>
+          </a:prstGeom>
+        </p:spPr>
+      </p:pic>
+      <p:pic>
+        <p:nvPicPr>
+          <p:cNvPr id="7" name="Picture 6">
+            <a:extLst>
+              <a:ext uri="{FF2B5EF4-FFF2-40B4-BE49-F238E27FC236}">
+                <a16:creationId xmlns:a16="http://schemas.microsoft.com/office/drawing/2014/main" id="{E8FBF074-1C13-497E-6C5B-63C5D2555EFD}"/>
+              </a:ext>
+            </a:extLst>
+          </p:cNvPr>
+          <p:cNvPicPr>
+            <a:picLocks noChangeAspect="1"/>
+          </p:cNvPicPr>
+          <p:nvPr/>
+        </p:nvPicPr>
+        <p:blipFill>
+          <a:blip r:embed="rId5"/>
+          <a:stretch>
+            <a:fillRect/>
+          </a:stretch>
+        </p:blipFill>
+        <p:spPr>
+          <a:xfrm>
+            <a:off x="5837555" y="2378392"/>
+            <a:ext cx="5731510" cy="2101215"/>
+          </a:xfrm>
+          <a:prstGeom prst="rect">
+            <a:avLst/>
+          </a:prstGeom>
+        </p:spPr>
+      </p:pic>
+    </p:spTree>
+    <p:custDataLst>
+      <p:tags r:id="rId1"/>
+    </p:custDataLst>
+    <p:extLst>
+      <p:ext uri="{BB962C8B-B14F-4D97-AF65-F5344CB8AC3E}">
+        <p14:creationId xmlns:p14="http://schemas.microsoft.com/office/powerpoint/2010/main" val="3555872953"/>
       </p:ext>
     </p:extLst>
   </p:cSld>
@@ -6306,8 +9858,8 @@
 
 <file path=ppt/tags/tag1.xml><?xml version="1.0" encoding="utf-8"?>
 <p:tagLst xmlns:a="http://schemas.openxmlformats.org/drawingml/2006/main" xmlns:r="http://schemas.openxmlformats.org/officeDocument/2006/relationships" xmlns:p="http://schemas.openxmlformats.org/presentationml/2006/main">
-  <p:tag name="ARTICULATE_SLIDE_COUNT" val="18"/>
   <p:tag name="ARTICULATE_PROJECT_OPEN" val="0"/>
+  <p:tag name="ARTICULATE_SLIDE_COUNT" val="24"/>
 </p:tagLst>
 </file>
 
@@ -6372,6 +9924,42 @@
 </file>
 
 <file path=ppt/tags/tag2.xml><?xml version="1.0" encoding="utf-8"?>
+<p:tagLst xmlns:a="http://schemas.openxmlformats.org/drawingml/2006/main" xmlns:r="http://schemas.openxmlformats.org/officeDocument/2006/relationships" xmlns:p="http://schemas.openxmlformats.org/presentationml/2006/main">
+  <p:tag name="ARTICULATE_SLIDE_THUMBNAIL_REFRESH" val="1"/>
+</p:tagLst>
+</file>
+
+<file path=ppt/tags/tag20.xml><?xml version="1.0" encoding="utf-8"?>
+<p:tagLst xmlns:a="http://schemas.openxmlformats.org/drawingml/2006/main" xmlns:r="http://schemas.openxmlformats.org/officeDocument/2006/relationships" xmlns:p="http://schemas.openxmlformats.org/presentationml/2006/main">
+  <p:tag name="ARTICULATE_SLIDE_THUMBNAIL_REFRESH" val="1"/>
+</p:tagLst>
+</file>
+
+<file path=ppt/tags/tag21.xml><?xml version="1.0" encoding="utf-8"?>
+<p:tagLst xmlns:a="http://schemas.openxmlformats.org/drawingml/2006/main" xmlns:r="http://schemas.openxmlformats.org/officeDocument/2006/relationships" xmlns:p="http://schemas.openxmlformats.org/presentationml/2006/main">
+  <p:tag name="ARTICULATE_SLIDE_THUMBNAIL_REFRESH" val="1"/>
+</p:tagLst>
+</file>
+
+<file path=ppt/tags/tag22.xml><?xml version="1.0" encoding="utf-8"?>
+<p:tagLst xmlns:a="http://schemas.openxmlformats.org/drawingml/2006/main" xmlns:r="http://schemas.openxmlformats.org/officeDocument/2006/relationships" xmlns:p="http://schemas.openxmlformats.org/presentationml/2006/main">
+  <p:tag name="ARTICULATE_SLIDE_THUMBNAIL_REFRESH" val="1"/>
+</p:tagLst>
+</file>
+
+<file path=ppt/tags/tag23.xml><?xml version="1.0" encoding="utf-8"?>
+<p:tagLst xmlns:a="http://schemas.openxmlformats.org/drawingml/2006/main" xmlns:r="http://schemas.openxmlformats.org/officeDocument/2006/relationships" xmlns:p="http://schemas.openxmlformats.org/presentationml/2006/main">
+  <p:tag name="ARTICULATE_SLIDE_THUMBNAIL_REFRESH" val="1"/>
+</p:tagLst>
+</file>
+
+<file path=ppt/tags/tag24.xml><?xml version="1.0" encoding="utf-8"?>
+<p:tagLst xmlns:a="http://schemas.openxmlformats.org/drawingml/2006/main" xmlns:r="http://schemas.openxmlformats.org/officeDocument/2006/relationships" xmlns:p="http://schemas.openxmlformats.org/presentationml/2006/main">
+  <p:tag name="ARTICULATE_SLIDE_THUMBNAIL_REFRESH" val="1"/>
+</p:tagLst>
+</file>
+
+<file path=ppt/tags/tag25.xml><?xml version="1.0" encoding="utf-8"?>
 <p:tagLst xmlns:a="http://schemas.openxmlformats.org/drawingml/2006/main" xmlns:r="http://schemas.openxmlformats.org/officeDocument/2006/relationships" xmlns:p="http://schemas.openxmlformats.org/presentationml/2006/main">
   <p:tag name="ARTICULATE_SLIDE_THUMBNAIL_REFRESH" val="1"/>
 </p:tagLst>
